--- a/spring12/slidesS12/simple-coloring.pptx
+++ b/spring12/slidesS12/simple-coloring.pptx
@@ -5,10 +5,10 @@
     <p:sldMasterId id="2147483650" r:id="rId1"/>
   </p:sldMasterIdLst>
   <p:notesMasterIdLst>
-    <p:notesMasterId r:id="rId26"/>
+    <p:notesMasterId r:id="rId27"/>
   </p:notesMasterIdLst>
   <p:handoutMasterIdLst>
-    <p:handoutMasterId r:id="rId27"/>
+    <p:handoutMasterId r:id="rId28"/>
   </p:handoutMasterIdLst>
   <p:sldIdLst>
     <p:sldId id="990" r:id="rId2"/>
@@ -26,20 +26,21 @@
     <p:sldId id="1002" r:id="rId14"/>
     <p:sldId id="1003" r:id="rId15"/>
     <p:sldId id="1004" r:id="rId16"/>
-    <p:sldId id="1005" r:id="rId17"/>
-    <p:sldId id="1006" r:id="rId18"/>
-    <p:sldId id="1007" r:id="rId19"/>
-    <p:sldId id="1008" r:id="rId20"/>
-    <p:sldId id="1009" r:id="rId21"/>
-    <p:sldId id="1010" r:id="rId22"/>
-    <p:sldId id="1011" r:id="rId23"/>
-    <p:sldId id="1012" r:id="rId24"/>
-    <p:sldId id="1013" r:id="rId25"/>
+    <p:sldId id="1014" r:id="rId17"/>
+    <p:sldId id="1005" r:id="rId18"/>
+    <p:sldId id="1006" r:id="rId19"/>
+    <p:sldId id="1007" r:id="rId20"/>
+    <p:sldId id="1008" r:id="rId21"/>
+    <p:sldId id="1009" r:id="rId22"/>
+    <p:sldId id="1010" r:id="rId23"/>
+    <p:sldId id="1011" r:id="rId24"/>
+    <p:sldId id="1012" r:id="rId25"/>
+    <p:sldId id="1013" r:id="rId26"/>
   </p:sldIdLst>
   <p:sldSz cx="9144000" cy="6858000" type="screen4x3"/>
   <p:notesSz cx="7315200" cy="9601200"/>
   <p:custDataLst>
-    <p:tags r:id="rId29"/>
+    <p:tags r:id="rId30"/>
   </p:custDataLst>
   <p:defaultTextStyle>
     <a:defPPr>
@@ -1384,6 +1385,78 @@
       </p:grpSpPr>
       <p:sp>
         <p:nvSpPr>
+          <p:cNvPr id="71682" name="Rectangle 2"/>
+          <p:cNvSpPr>
+            <a:spLocks noGrp="1" noRot="1" noChangeAspect="1" noChangeArrowheads="1" noTextEdit="1"/>
+          </p:cNvSpPr>
+          <p:nvPr>
+            <p:ph type="sldImg"/>
+          </p:nvPr>
+        </p:nvSpPr>
+        <p:spPr>
+          <a:solidFill>
+            <a:srgbClr val="FFFFFF"/>
+          </a:solidFill>
+          <a:ln/>
+        </p:spPr>
+      </p:sp>
+      <p:sp>
+        <p:nvSpPr>
+          <p:cNvPr id="71683" name="Rectangle 3"/>
+          <p:cNvSpPr>
+            <a:spLocks noGrp="1" noChangeArrowheads="1"/>
+          </p:cNvSpPr>
+          <p:nvPr>
+            <p:ph type="body" idx="1"/>
+          </p:nvPr>
+        </p:nvSpPr>
+        <p:spPr>
+          <a:solidFill>
+            <a:srgbClr val="FFFFFF"/>
+          </a:solidFill>
+          <a:ln>
+            <a:solidFill>
+              <a:srgbClr val="000000"/>
+            </a:solidFill>
+          </a:ln>
+        </p:spPr>
+        <p:txBody>
+          <a:bodyPr/>
+          <a:lstStyle/>
+          <a:p>
+            <a:endParaRPr lang="en-US" smtClean="0">
+              <a:latin typeface="Times New Roman" pitchFamily="8" charset="0"/>
+            </a:endParaRPr>
+          </a:p>
+        </p:txBody>
+      </p:sp>
+    </p:spTree>
+  </p:cSld>
+  <p:clrMapOvr>
+    <a:masterClrMapping/>
+  </p:clrMapOvr>
+</p:notes>
+</file>
+
+<file path=ppt/notesSlides/notesSlide17.xml><?xml version="1.0" encoding="utf-8"?>
+<p:notes xmlns:a="http://schemas.openxmlformats.org/drawingml/2006/main" xmlns:r="http://schemas.openxmlformats.org/officeDocument/2006/relationships" xmlns:p="http://schemas.openxmlformats.org/presentationml/2006/main">
+  <p:cSld>
+    <p:spTree>
+      <p:nvGrpSpPr>
+        <p:cNvPr id="1" name=""/>
+        <p:cNvGrpSpPr/>
+        <p:nvPr/>
+      </p:nvGrpSpPr>
+      <p:grpSpPr>
+        <a:xfrm>
+          <a:off x="0" y="0"/>
+          <a:ext cx="0" cy="0"/>
+          <a:chOff x="0" y="0"/>
+          <a:chExt cx="0" cy="0"/>
+        </a:xfrm>
+      </p:grpSpPr>
+      <p:sp>
+        <p:nvSpPr>
           <p:cNvPr id="72706" name="Rectangle 2"/>
           <p:cNvSpPr>
             <a:spLocks noGrp="1" noRot="1" noChangeAspect="1" noChangeArrowheads="1" noTextEdit="1"/>
@@ -1437,7 +1510,7 @@
 </p:notes>
 </file>
 
-<file path=ppt/notesSlides/notesSlide17.xml><?xml version="1.0" encoding="utf-8"?>
+<file path=ppt/notesSlides/notesSlide18.xml><?xml version="1.0" encoding="utf-8"?>
 <p:notes xmlns:a="http://schemas.openxmlformats.org/drawingml/2006/main" xmlns:r="http://schemas.openxmlformats.org/officeDocument/2006/relationships" xmlns:p="http://schemas.openxmlformats.org/presentationml/2006/main">
   <p:cSld>
     <p:spTree>
@@ -1509,7 +1582,7 @@
 </p:notes>
 </file>
 
-<file path=ppt/notesSlides/notesSlide18.xml><?xml version="1.0" encoding="utf-8"?>
+<file path=ppt/notesSlides/notesSlide19.xml><?xml version="1.0" encoding="utf-8"?>
 <p:notes xmlns:a="http://schemas.openxmlformats.org/drawingml/2006/main" xmlns:r="http://schemas.openxmlformats.org/officeDocument/2006/relationships" xmlns:p="http://schemas.openxmlformats.org/presentationml/2006/main">
   <p:cSld>
     <p:spTree>
@@ -1546,78 +1619,6 @@
       <p:sp>
         <p:nvSpPr>
           <p:cNvPr id="74755" name="Rectangle 3"/>
-          <p:cNvSpPr>
-            <a:spLocks noGrp="1" noChangeArrowheads="1"/>
-          </p:cNvSpPr>
-          <p:nvPr>
-            <p:ph type="body" idx="1"/>
-          </p:nvPr>
-        </p:nvSpPr>
-        <p:spPr>
-          <a:solidFill>
-            <a:srgbClr val="FFFFFF"/>
-          </a:solidFill>
-          <a:ln>
-            <a:solidFill>
-              <a:srgbClr val="000000"/>
-            </a:solidFill>
-          </a:ln>
-        </p:spPr>
-        <p:txBody>
-          <a:bodyPr/>
-          <a:lstStyle/>
-          <a:p>
-            <a:endParaRPr lang="en-US" smtClean="0">
-              <a:latin typeface="Times New Roman" pitchFamily="8" charset="0"/>
-            </a:endParaRPr>
-          </a:p>
-        </p:txBody>
-      </p:sp>
-    </p:spTree>
-  </p:cSld>
-  <p:clrMapOvr>
-    <a:masterClrMapping/>
-  </p:clrMapOvr>
-</p:notes>
-</file>
-
-<file path=ppt/notesSlides/notesSlide19.xml><?xml version="1.0" encoding="utf-8"?>
-<p:notes xmlns:a="http://schemas.openxmlformats.org/drawingml/2006/main" xmlns:r="http://schemas.openxmlformats.org/officeDocument/2006/relationships" xmlns:p="http://schemas.openxmlformats.org/presentationml/2006/main">
-  <p:cSld>
-    <p:spTree>
-      <p:nvGrpSpPr>
-        <p:cNvPr id="1" name=""/>
-        <p:cNvGrpSpPr/>
-        <p:nvPr/>
-      </p:nvGrpSpPr>
-      <p:grpSpPr>
-        <a:xfrm>
-          <a:off x="0" y="0"/>
-          <a:ext cx="0" cy="0"/>
-          <a:chOff x="0" y="0"/>
-          <a:chExt cx="0" cy="0"/>
-        </a:xfrm>
-      </p:grpSpPr>
-      <p:sp>
-        <p:nvSpPr>
-          <p:cNvPr id="75778" name="Rectangle 2"/>
-          <p:cNvSpPr>
-            <a:spLocks noGrp="1" noRot="1" noChangeAspect="1" noChangeArrowheads="1" noTextEdit="1"/>
-          </p:cNvSpPr>
-          <p:nvPr>
-            <p:ph type="sldImg"/>
-          </p:nvPr>
-        </p:nvSpPr>
-        <p:spPr>
-          <a:solidFill>
-            <a:srgbClr val="FFFFFF"/>
-          </a:solidFill>
-          <a:ln/>
-        </p:spPr>
-      </p:sp>
-      <p:sp>
-        <p:nvSpPr>
-          <p:cNvPr id="75779" name="Rectangle 3"/>
           <p:cNvSpPr>
             <a:spLocks noGrp="1" noChangeArrowheads="1"/>
           </p:cNvSpPr>
@@ -1744,6 +1745,78 @@
       </p:grpSpPr>
       <p:sp>
         <p:nvSpPr>
+          <p:cNvPr id="75778" name="Rectangle 2"/>
+          <p:cNvSpPr>
+            <a:spLocks noGrp="1" noRot="1" noChangeAspect="1" noChangeArrowheads="1" noTextEdit="1"/>
+          </p:cNvSpPr>
+          <p:nvPr>
+            <p:ph type="sldImg"/>
+          </p:nvPr>
+        </p:nvSpPr>
+        <p:spPr>
+          <a:solidFill>
+            <a:srgbClr val="FFFFFF"/>
+          </a:solidFill>
+          <a:ln/>
+        </p:spPr>
+      </p:sp>
+      <p:sp>
+        <p:nvSpPr>
+          <p:cNvPr id="75779" name="Rectangle 3"/>
+          <p:cNvSpPr>
+            <a:spLocks noGrp="1" noChangeArrowheads="1"/>
+          </p:cNvSpPr>
+          <p:nvPr>
+            <p:ph type="body" idx="1"/>
+          </p:nvPr>
+        </p:nvSpPr>
+        <p:spPr>
+          <a:solidFill>
+            <a:srgbClr val="FFFFFF"/>
+          </a:solidFill>
+          <a:ln>
+            <a:solidFill>
+              <a:srgbClr val="000000"/>
+            </a:solidFill>
+          </a:ln>
+        </p:spPr>
+        <p:txBody>
+          <a:bodyPr/>
+          <a:lstStyle/>
+          <a:p>
+            <a:endParaRPr lang="en-US" smtClean="0">
+              <a:latin typeface="Times New Roman" pitchFamily="8" charset="0"/>
+            </a:endParaRPr>
+          </a:p>
+        </p:txBody>
+      </p:sp>
+    </p:spTree>
+  </p:cSld>
+  <p:clrMapOvr>
+    <a:masterClrMapping/>
+  </p:clrMapOvr>
+</p:notes>
+</file>
+
+<file path=ppt/notesSlides/notesSlide21.xml><?xml version="1.0" encoding="utf-8"?>
+<p:notes xmlns:a="http://schemas.openxmlformats.org/drawingml/2006/main" xmlns:r="http://schemas.openxmlformats.org/officeDocument/2006/relationships" xmlns:p="http://schemas.openxmlformats.org/presentationml/2006/main">
+  <p:cSld>
+    <p:spTree>
+      <p:nvGrpSpPr>
+        <p:cNvPr id="1" name=""/>
+        <p:cNvGrpSpPr/>
+        <p:nvPr/>
+      </p:nvGrpSpPr>
+      <p:grpSpPr>
+        <a:xfrm>
+          <a:off x="0" y="0"/>
+          <a:ext cx="0" cy="0"/>
+          <a:chOff x="0" y="0"/>
+          <a:chExt cx="0" cy="0"/>
+        </a:xfrm>
+      </p:grpSpPr>
+      <p:sp>
+        <p:nvSpPr>
           <p:cNvPr id="76802" name="Rectangle 2"/>
           <p:cNvSpPr>
             <a:spLocks noGrp="1" noRot="1" noChangeAspect="1" noChangeArrowheads="1" noTextEdit="1"/>
@@ -1797,7 +1870,7 @@
 </p:notes>
 </file>
 
-<file path=ppt/notesSlides/notesSlide21.xml><?xml version="1.0" encoding="utf-8"?>
+<file path=ppt/notesSlides/notesSlide22.xml><?xml version="1.0" encoding="utf-8"?>
 <p:notes xmlns:a="http://schemas.openxmlformats.org/drawingml/2006/main" xmlns:r="http://schemas.openxmlformats.org/officeDocument/2006/relationships" xmlns:p="http://schemas.openxmlformats.org/presentationml/2006/main">
   <p:cSld>
     <p:spTree>
@@ -1869,7 +1942,7 @@
 </p:notes>
 </file>
 
-<file path=ppt/notesSlides/notesSlide22.xml><?xml version="1.0" encoding="utf-8"?>
+<file path=ppt/notesSlides/notesSlide23.xml><?xml version="1.0" encoding="utf-8"?>
 <p:notes xmlns:a="http://schemas.openxmlformats.org/drawingml/2006/main" xmlns:r="http://schemas.openxmlformats.org/officeDocument/2006/relationships" xmlns:p="http://schemas.openxmlformats.org/presentationml/2006/main">
   <p:cSld>
     <p:spTree>
@@ -1941,7 +2014,7 @@
 </p:notes>
 </file>
 
-<file path=ppt/notesSlides/notesSlide23.xml><?xml version="1.0" encoding="utf-8"?>
+<file path=ppt/notesSlides/notesSlide24.xml><?xml version="1.0" encoding="utf-8"?>
 <p:notes xmlns:a="http://schemas.openxmlformats.org/drawingml/2006/main" xmlns:r="http://schemas.openxmlformats.org/officeDocument/2006/relationships" xmlns:p="http://schemas.openxmlformats.org/presentationml/2006/main">
   <p:cSld>
     <p:spTree>
@@ -2013,7 +2086,7 @@
 </p:notes>
 </file>
 
-<file path=ppt/notesSlides/notesSlide24.xml><?xml version="1.0" encoding="utf-8"?>
+<file path=ppt/notesSlides/notesSlide25.xml><?xml version="1.0" encoding="utf-8"?>
 <p:notes xmlns:a="http://schemas.openxmlformats.org/drawingml/2006/main" xmlns:r="http://schemas.openxmlformats.org/officeDocument/2006/relationships" xmlns:p="http://schemas.openxmlformats.org/presentationml/2006/main">
   <p:cSld>
     <p:spTree>
@@ -4270,13 +4343,6 @@
               </a:rPr>
               <a:t>Coloring</a:t>
             </a:r>
-            <a:endParaRPr lang="en-US" sz="7200" b="1" dirty="0" smtClean="0">
-              <a:solidFill>
-                <a:schemeClr val="tx2"/>
-              </a:solidFill>
-              <a:latin typeface="Comic Sans MS"/>
-              <a:cs typeface="Comic Sans MS"/>
-            </a:endParaRPr>
           </a:p>
         </p:txBody>
       </p:sp>
@@ -8411,6 +8477,369 @@
         </p:nvSpPr>
         <p:spPr>
           <a:xfrm>
+            <a:off x="317500" y="1333137"/>
+            <a:ext cx="8511190" cy="4046547"/>
+          </a:xfrm>
+        </p:spPr>
+        <p:txBody>
+          <a:bodyPr/>
+          <a:lstStyle/>
+          <a:p>
+            <a:pPr lvl="1">
+              <a:buFontTx/>
+              <a:buNone/>
+            </a:pPr>
+            <a:r>
+              <a:rPr lang="en-US" sz="6000" dirty="0" smtClean="0"/>
+              <a:t>min #colors for</a:t>
+            </a:r>
+            <a:r>
+              <a:rPr lang="en-US" sz="6000" dirty="0" smtClean="0">
+                <a:solidFill>
+                  <a:srgbClr val="0000FF"/>
+                </a:solidFill>
+              </a:rPr>
+              <a:t> G</a:t>
+            </a:r>
+            <a:r>
+              <a:rPr lang="en-US" sz="4400" dirty="0" smtClean="0"/>
+              <a:t> </a:t>
+            </a:r>
+            <a:r>
+              <a:rPr lang="en-US" sz="4400" i="1" dirty="0" smtClean="0"/>
+              <a:t> </a:t>
+            </a:r>
+            <a:r>
+              <a:rPr lang="en-US" sz="4400" dirty="0" smtClean="0"/>
+              <a:t>is</a:t>
+            </a:r>
+            <a:endParaRPr lang="en-US" sz="6600" dirty="0" smtClean="0">
+              <a:solidFill>
+                <a:srgbClr val="0033CC"/>
+              </a:solidFill>
+              <a:sym typeface="Euclid Symbol" pitchFamily="18" charset="2"/>
+            </a:endParaRPr>
+          </a:p>
+          <a:p>
+            <a:pPr lvl="1" algn="ctr">
+              <a:buFontTx/>
+              <a:buNone/>
+            </a:pPr>
+            <a:r>
+              <a:rPr lang="en-US" sz="5400" dirty="0" smtClean="0">
+                <a:solidFill>
+                  <a:srgbClr val="C8066F"/>
+                </a:solidFill>
+              </a:rPr>
+              <a:t>chromatic </a:t>
+            </a:r>
+            <a:r>
+              <a:rPr lang="en-US" sz="5400" dirty="0" smtClean="0">
+                <a:solidFill>
+                  <a:srgbClr val="C8066F"/>
+                </a:solidFill>
+              </a:rPr>
+              <a:t>number</a:t>
+            </a:r>
+          </a:p>
+          <a:p>
+            <a:pPr lvl="1" algn="ctr">
+              <a:buFontTx/>
+              <a:buNone/>
+            </a:pPr>
+            <a:r>
+              <a:rPr lang="en-US" sz="8000" b="1" dirty="0" err="1" smtClean="0">
+                <a:solidFill>
+                  <a:srgbClr val="0000FF"/>
+                </a:solidFill>
+                <a:latin typeface="Euclid Symbol" charset="2"/>
+                <a:cs typeface="Euclid Symbol" charset="2"/>
+                <a:sym typeface="Euclid Symbol" pitchFamily="18" charset="2"/>
+              </a:rPr>
+              <a:t>χ</a:t>
+            </a:r>
+            <a:r>
+              <a:rPr lang="en-US" sz="8000" dirty="0" smtClean="0">
+                <a:solidFill>
+                  <a:srgbClr val="0000FF"/>
+                </a:solidFill>
+                <a:sym typeface="Euclid Symbol" pitchFamily="18" charset="2"/>
+              </a:rPr>
+              <a:t>(G</a:t>
+            </a:r>
+            <a:r>
+              <a:rPr lang="en-US" sz="8000" dirty="0" smtClean="0">
+                <a:solidFill>
+                  <a:srgbClr val="0000FF"/>
+                </a:solidFill>
+                <a:sym typeface="Euclid Symbol" pitchFamily="18" charset="2"/>
+              </a:rPr>
+              <a:t>)</a:t>
+            </a:r>
+            <a:endParaRPr lang="en-US" sz="8000" dirty="0" smtClean="0">
+              <a:solidFill>
+                <a:srgbClr val="0000FF"/>
+              </a:solidFill>
+              <a:sym typeface="Euclid Symbol" pitchFamily="18" charset="2"/>
+            </a:endParaRPr>
+          </a:p>
+        </p:txBody>
+      </p:sp>
+      <p:sp>
+        <p:nvSpPr>
+          <p:cNvPr id="5" name="Rectangle 11"/>
+          <p:cNvSpPr>
+            <a:spLocks noGrp="1" noChangeArrowheads="1"/>
+          </p:cNvSpPr>
+          <p:nvPr>
+            <p:ph type="sldNum" sz="quarter" idx="10"/>
+          </p:nvPr>
+        </p:nvSpPr>
+        <p:spPr/>
+        <p:txBody>
+          <a:bodyPr/>
+          <a:lstStyle>
+            <a:lvl1pPr>
+              <a:defRPr/>
+            </a:lvl1pPr>
+          </a:lstStyle>
+          <a:p>
+            <a:pPr>
+              <a:defRPr/>
+            </a:pPr>
+            <a:r>
+              <a:rPr lang="en-US" dirty="0" err="1" smtClean="0"/>
+              <a:t>lec</a:t>
+            </a:r>
+            <a:r>
+              <a:rPr lang="en-US" dirty="0" smtClean="0"/>
+              <a:t> 8M.</a:t>
+            </a:r>
+            <a:fld id="{C1F5F56B-8BAF-4761-B946-3F4570916247}" type="slidenum">
+              <a:rPr lang="en-US" smtClean="0"/>
+              <a:pPr>
+                <a:defRPr/>
+              </a:pPr>
+              <a:t>15</a:t>
+            </a:fld>
+            <a:endParaRPr lang="en-US" dirty="0"/>
+          </a:p>
+        </p:txBody>
+      </p:sp>
+    </p:spTree>
+  </p:cSld>
+  <p:clrMapOvr>
+    <a:masterClrMapping/>
+  </p:clrMapOvr>
+  <p:transition xmlns:p14="http://schemas.microsoft.com/office/powerpoint/2010/main">
+    <p:fade thruBlk="1"/>
+  </p:transition>
+  <p:timing>
+    <p:tnLst>
+      <p:par>
+        <p:cTn xmlns:p14="http://schemas.microsoft.com/office/powerpoint/2010/main" id="1" dur="indefinite" restart="never" nodeType="tmRoot">
+          <p:childTnLst>
+            <p:seq concurrent="1" nextAc="seek">
+              <p:cTn id="2" dur="indefinite" nodeType="mainSeq">
+                <p:childTnLst>
+                  <p:par>
+                    <p:cTn id="3" fill="hold">
+                      <p:stCondLst>
+                        <p:cond delay="indefinite"/>
+                      </p:stCondLst>
+                      <p:childTnLst>
+                        <p:par>
+                          <p:cTn id="4" fill="hold">
+                            <p:stCondLst>
+                              <p:cond delay="0"/>
+                            </p:stCondLst>
+                            <p:childTnLst>
+                              <p:par>
+                                <p:cTn id="5" presetID="9" presetClass="entr" presetSubtype="0" fill="hold" nodeType="clickEffect">
+                                  <p:stCondLst>
+                                    <p:cond delay="0"/>
+                                  </p:stCondLst>
+                                  <p:childTnLst>
+                                    <p:set>
+                                      <p:cBhvr>
+                                        <p:cTn id="6" dur="1" fill="hold">
+                                          <p:stCondLst>
+                                            <p:cond delay="0"/>
+                                          </p:stCondLst>
+                                        </p:cTn>
+                                        <p:tgtEl>
+                                          <p:spTgt spid="191491">
+                                            <p:txEl>
+                                              <p:pRg st="1" end="1"/>
+                                            </p:txEl>
+                                          </p:spTgt>
+                                        </p:tgtEl>
+                                        <p:attrNameLst>
+                                          <p:attrName>style.visibility</p:attrName>
+                                        </p:attrNameLst>
+                                      </p:cBhvr>
+                                      <p:to>
+                                        <p:strVal val="visible"/>
+                                      </p:to>
+                                    </p:set>
+                                    <p:animEffect transition="in" filter="dissolve">
+                                      <p:cBhvr>
+                                        <p:cTn id="7" dur="500"/>
+                                        <p:tgtEl>
+                                          <p:spTgt spid="191491">
+                                            <p:txEl>
+                                              <p:pRg st="1" end="1"/>
+                                            </p:txEl>
+                                          </p:spTgt>
+                                        </p:tgtEl>
+                                      </p:cBhvr>
+                                    </p:animEffect>
+                                  </p:childTnLst>
+                                </p:cTn>
+                              </p:par>
+                            </p:childTnLst>
+                          </p:cTn>
+                        </p:par>
+                      </p:childTnLst>
+                    </p:cTn>
+                  </p:par>
+                  <p:par>
+                    <p:cTn id="8" fill="hold">
+                      <p:stCondLst>
+                        <p:cond delay="indefinite"/>
+                      </p:stCondLst>
+                      <p:childTnLst>
+                        <p:par>
+                          <p:cTn id="9" fill="hold">
+                            <p:stCondLst>
+                              <p:cond delay="0"/>
+                            </p:stCondLst>
+                            <p:childTnLst>
+                              <p:par>
+                                <p:cTn id="10" presetID="9" presetClass="entr" presetSubtype="0" fill="hold" nodeType="clickEffect">
+                                  <p:stCondLst>
+                                    <p:cond delay="0"/>
+                                  </p:stCondLst>
+                                  <p:childTnLst>
+                                    <p:set>
+                                      <p:cBhvr>
+                                        <p:cTn id="11" dur="1" fill="hold">
+                                          <p:stCondLst>
+                                            <p:cond delay="0"/>
+                                          </p:stCondLst>
+                                        </p:cTn>
+                                        <p:tgtEl>
+                                          <p:spTgt spid="191491">
+                                            <p:txEl>
+                                              <p:pRg st="2" end="2"/>
+                                            </p:txEl>
+                                          </p:spTgt>
+                                        </p:tgtEl>
+                                        <p:attrNameLst>
+                                          <p:attrName>style.visibility</p:attrName>
+                                        </p:attrNameLst>
+                                      </p:cBhvr>
+                                      <p:to>
+                                        <p:strVal val="visible"/>
+                                      </p:to>
+                                    </p:set>
+                                    <p:animEffect transition="in" filter="dissolve">
+                                      <p:cBhvr>
+                                        <p:cTn id="12" dur="500"/>
+                                        <p:tgtEl>
+                                          <p:spTgt spid="191491">
+                                            <p:txEl>
+                                              <p:pRg st="2" end="2"/>
+                                            </p:txEl>
+                                          </p:spTgt>
+                                        </p:tgtEl>
+                                      </p:cBhvr>
+                                    </p:animEffect>
+                                  </p:childTnLst>
+                                </p:cTn>
+                              </p:par>
+                            </p:childTnLst>
+                          </p:cTn>
+                        </p:par>
+                      </p:childTnLst>
+                    </p:cTn>
+                  </p:par>
+                </p:childTnLst>
+              </p:cTn>
+              <p:prevCondLst>
+                <p:cond evt="onPrev" delay="0">
+                  <p:tgtEl>
+                    <p:sldTgt/>
+                  </p:tgtEl>
+                </p:cond>
+              </p:prevCondLst>
+              <p:nextCondLst>
+                <p:cond evt="onNext" delay="0">
+                  <p:tgtEl>
+                    <p:sldTgt/>
+                  </p:tgtEl>
+                </p:cond>
+              </p:nextCondLst>
+            </p:seq>
+          </p:childTnLst>
+        </p:cTn>
+      </p:par>
+    </p:tnLst>
+  </p:timing>
+</p:sld>
+</file>
+
+<file path=ppt/slides/slide16.xml><?xml version="1.0" encoding="utf-8"?>
+<p:sld xmlns:a="http://schemas.openxmlformats.org/drawingml/2006/main" xmlns:r="http://schemas.openxmlformats.org/officeDocument/2006/relationships" xmlns:p="http://schemas.openxmlformats.org/presentationml/2006/main" show="0">
+  <p:cSld>
+    <p:spTree>
+      <p:nvGrpSpPr>
+        <p:cNvPr id="1" name=""/>
+        <p:cNvGrpSpPr/>
+        <p:nvPr/>
+      </p:nvGrpSpPr>
+      <p:grpSpPr>
+        <a:xfrm>
+          <a:off x="0" y="0"/>
+          <a:ext cx="0" cy="0"/>
+          <a:chOff x="0" y="0"/>
+          <a:chExt cx="0" cy="0"/>
+        </a:xfrm>
+      </p:grpSpPr>
+      <p:sp>
+        <p:nvSpPr>
+          <p:cNvPr id="36866" name="Rectangle 2"/>
+          <p:cNvSpPr>
+            <a:spLocks noGrp="1" noChangeArrowheads="1"/>
+          </p:cNvSpPr>
+          <p:nvPr>
+            <p:ph type="title"/>
+          </p:nvPr>
+        </p:nvSpPr>
+        <p:spPr/>
+        <p:txBody>
+          <a:bodyPr/>
+          <a:lstStyle/>
+          <a:p>
+            <a:r>
+              <a:rPr lang="en-US" smtClean="0"/>
+              <a:t>Chromatic Number</a:t>
+            </a:r>
+          </a:p>
+        </p:txBody>
+      </p:sp>
+      <p:sp>
+        <p:nvSpPr>
+          <p:cNvPr id="191491" name="Rectangle 3"/>
+          <p:cNvSpPr>
+            <a:spLocks noGrp="1" noChangeArrowheads="1"/>
+          </p:cNvSpPr>
+          <p:nvPr>
+            <p:ph type="body" idx="1"/>
+          </p:nvPr>
+        </p:nvSpPr>
+        <p:spPr>
+          <a:xfrm>
             <a:off x="317500" y="1130300"/>
             <a:ext cx="8597900" cy="5029200"/>
           </a:xfrm>
@@ -8647,13 +9076,18 @@
               <a:pPr>
                 <a:defRPr/>
               </a:pPr>
-              <a:t>15</a:t>
+              <a:t>16</a:t>
             </a:fld>
             <a:endParaRPr lang="en-US" dirty="0"/>
           </a:p>
         </p:txBody>
       </p:sp>
     </p:spTree>
+    <p:extLst>
+      <p:ext uri="{BB962C8B-B14F-4D97-AF65-F5344CB8AC3E}">
+        <p14:creationId xmlns:p14="http://schemas.microsoft.com/office/powerpoint/2010/main" val="1786049125"/>
+      </p:ext>
+    </p:extLst>
   </p:cSld>
   <p:clrMapOvr>
     <a:masterClrMapping/>
@@ -8959,8 +9393,8 @@
 </p:sld>
 </file>
 
-<file path=ppt/slides/slide16.xml><?xml version="1.0" encoding="utf-8"?>
-<p:sld xmlns:a="http://schemas.openxmlformats.org/drawingml/2006/main" xmlns:r="http://schemas.openxmlformats.org/officeDocument/2006/relationships" xmlns:p="http://schemas.openxmlformats.org/presentationml/2006/main">
+<file path=ppt/slides/slide17.xml><?xml version="1.0" encoding="utf-8"?>
+<p:sld xmlns:a="http://schemas.openxmlformats.org/drawingml/2006/main" xmlns:r="http://schemas.openxmlformats.org/officeDocument/2006/relationships" xmlns:p="http://schemas.openxmlformats.org/presentationml/2006/main" show="0">
   <p:cSld>
     <p:spTree>
       <p:nvGrpSpPr>
@@ -10768,7 +11202,7 @@
               <a:pPr>
                 <a:defRPr/>
               </a:pPr>
-              <a:t>16</a:t>
+              <a:t>17</a:t>
             </a:fld>
             <a:endParaRPr lang="en-US" dirty="0"/>
           </a:p>
@@ -11156,7 +11590,7 @@
 </p:sld>
 </file>
 
-<file path=ppt/slides/slide17.xml><?xml version="1.0" encoding="utf-8"?>
+<file path=ppt/slides/slide18.xml><?xml version="1.0" encoding="utf-8"?>
 <p:sld xmlns:a="http://schemas.openxmlformats.org/drawingml/2006/main" xmlns:r="http://schemas.openxmlformats.org/officeDocument/2006/relationships" xmlns:p="http://schemas.openxmlformats.org/presentationml/2006/main">
   <p:cSld>
     <p:spTree>
@@ -12474,7 +12908,7 @@
               <a:pPr>
                 <a:defRPr/>
               </a:pPr>
-              <a:t>17</a:t>
+              <a:t>18</a:t>
             </a:fld>
             <a:endParaRPr lang="en-US" dirty="0"/>
           </a:p>
@@ -12931,7 +13365,7 @@
 </p:sld>
 </file>
 
-<file path=ppt/slides/slide18.xml><?xml version="1.0" encoding="utf-8"?>
+<file path=ppt/slides/slide19.xml><?xml version="1.0" encoding="utf-8"?>
 <p:sld xmlns:a="http://schemas.openxmlformats.org/drawingml/2006/main" xmlns:r="http://schemas.openxmlformats.org/officeDocument/2006/relationships" xmlns:p="http://schemas.openxmlformats.org/presentationml/2006/main">
   <p:cSld>
     <p:spTree>
@@ -14041,7 +14475,7 @@
               <a:pPr>
                 <a:defRPr/>
               </a:pPr>
-              <a:t>18</a:t>
+              <a:t>19</a:t>
             </a:fld>
             <a:endParaRPr lang="en-US" dirty="0"/>
           </a:p>
@@ -14273,7 +14707,205 @@
 </p:sld>
 </file>
 
-<file path=ppt/slides/slide19.xml><?xml version="1.0" encoding="utf-8"?>
+<file path=ppt/slides/slide2.xml><?xml version="1.0" encoding="utf-8"?>
+<p:sld xmlns:a="http://schemas.openxmlformats.org/drawingml/2006/main" xmlns:r="http://schemas.openxmlformats.org/officeDocument/2006/relationships" xmlns:p="http://schemas.openxmlformats.org/presentationml/2006/main">
+  <p:cSld>
+    <p:spTree>
+      <p:nvGrpSpPr>
+        <p:cNvPr id="1" name=""/>
+        <p:cNvGrpSpPr/>
+        <p:nvPr/>
+      </p:nvGrpSpPr>
+      <p:grpSpPr>
+        <a:xfrm>
+          <a:off x="0" y="0"/>
+          <a:ext cx="0" cy="0"/>
+          <a:chOff x="0" y="0"/>
+          <a:chExt cx="0" cy="0"/>
+        </a:xfrm>
+      </p:grpSpPr>
+      <p:sp>
+        <p:nvSpPr>
+          <p:cNvPr id="23554" name="Rectangle 2"/>
+          <p:cNvSpPr>
+            <a:spLocks noGrp="1" noChangeArrowheads="1"/>
+          </p:cNvSpPr>
+          <p:nvPr>
+            <p:ph type="title"/>
+          </p:nvPr>
+        </p:nvSpPr>
+        <p:spPr>
+          <a:xfrm>
+            <a:off x="1447800" y="50800"/>
+            <a:ext cx="7391400" cy="1143000"/>
+          </a:xfrm>
+        </p:spPr>
+        <p:txBody>
+          <a:bodyPr/>
+          <a:lstStyle/>
+          <a:p>
+            <a:r>
+              <a:rPr lang="en-US" sz="4000" smtClean="0"/>
+              <a:t>Flight Gates</a:t>
+            </a:r>
+            <a:r>
+              <a:rPr lang="en-US" smtClean="0"/>
+              <a:t> </a:t>
+            </a:r>
+          </a:p>
+        </p:txBody>
+      </p:sp>
+      <p:sp>
+        <p:nvSpPr>
+          <p:cNvPr id="23555" name="Rectangle 3"/>
+          <p:cNvSpPr>
+            <a:spLocks noGrp="1" noChangeArrowheads="1"/>
+          </p:cNvSpPr>
+          <p:nvPr>
+            <p:ph type="body" idx="1"/>
+          </p:nvPr>
+        </p:nvSpPr>
+        <p:spPr>
+          <a:xfrm>
+            <a:off x="209550" y="1600200"/>
+            <a:ext cx="8934450" cy="4000500"/>
+          </a:xfrm>
+        </p:spPr>
+        <p:txBody>
+          <a:bodyPr/>
+          <a:lstStyle/>
+          <a:p>
+            <a:pPr>
+              <a:buFontTx/>
+              <a:buNone/>
+            </a:pPr>
+            <a:r>
+              <a:rPr lang="en-US" sz="6000" dirty="0" smtClean="0"/>
+              <a:t>flights need gates, but </a:t>
+            </a:r>
+          </a:p>
+          <a:p>
+            <a:pPr>
+              <a:buFontTx/>
+              <a:buNone/>
+            </a:pPr>
+            <a:r>
+              <a:rPr lang="en-US" sz="6000" dirty="0" smtClean="0"/>
+              <a:t>times overlap. </a:t>
+            </a:r>
+          </a:p>
+          <a:p>
+            <a:pPr>
+              <a:buFontTx/>
+              <a:buNone/>
+            </a:pPr>
+            <a:r>
+              <a:rPr lang="en-US" sz="6000" dirty="0" smtClean="0">
+                <a:solidFill>
+                  <a:srgbClr val="0033CC"/>
+                </a:solidFill>
+              </a:rPr>
+              <a:t>how many </a:t>
+            </a:r>
+            <a:r>
+              <a:rPr lang="en-US" sz="6000" dirty="0" smtClean="0"/>
+              <a:t>gates needed?</a:t>
+            </a:r>
+          </a:p>
+        </p:txBody>
+      </p:sp>
+      <p:pic>
+        <p:nvPicPr>
+          <p:cNvPr id="23556" name="Picture 4" descr="j0320932"/>
+          <p:cNvPicPr>
+            <a:picLocks noChangeAspect="1" noChangeArrowheads="1"/>
+          </p:cNvPicPr>
+          <p:nvPr/>
+        </p:nvPicPr>
+        <p:blipFill>
+          <a:blip r:embed="rId3"/>
+          <a:srcRect/>
+          <a:stretch>
+            <a:fillRect/>
+          </a:stretch>
+        </p:blipFill>
+        <p:spPr bwMode="auto">
+          <a:xfrm>
+            <a:off x="4762500" y="141288"/>
+            <a:ext cx="3276600" cy="989012"/>
+          </a:xfrm>
+          <a:prstGeom prst="rect">
+            <a:avLst/>
+          </a:prstGeom>
+          <a:noFill/>
+          <a:ln w="9525">
+            <a:noFill/>
+            <a:miter lim="800000"/>
+            <a:headEnd/>
+            <a:tailEnd/>
+          </a:ln>
+        </p:spPr>
+      </p:pic>
+      <p:sp>
+        <p:nvSpPr>
+          <p:cNvPr id="5" name="Rectangle 11"/>
+          <p:cNvSpPr>
+            <a:spLocks noGrp="1" noChangeArrowheads="1"/>
+          </p:cNvSpPr>
+          <p:nvPr>
+            <p:ph type="sldNum" sz="quarter" idx="10"/>
+          </p:nvPr>
+        </p:nvSpPr>
+        <p:spPr/>
+        <p:txBody>
+          <a:bodyPr/>
+          <a:lstStyle>
+            <a:lvl1pPr>
+              <a:defRPr/>
+            </a:lvl1pPr>
+          </a:lstStyle>
+          <a:p>
+            <a:pPr>
+              <a:defRPr/>
+            </a:pPr>
+            <a:r>
+              <a:rPr lang="en-US" dirty="0" err="1" smtClean="0"/>
+              <a:t>lec</a:t>
+            </a:r>
+            <a:r>
+              <a:rPr lang="en-US" dirty="0" smtClean="0"/>
+              <a:t> 8M.</a:t>
+            </a:r>
+            <a:fld id="{30A26BC1-508A-43F3-AC00-520955D5F248}" type="slidenum">
+              <a:rPr lang="en-US" smtClean="0"/>
+              <a:pPr>
+                <a:defRPr/>
+              </a:pPr>
+              <a:t>2</a:t>
+            </a:fld>
+            <a:endParaRPr lang="en-US" dirty="0"/>
+          </a:p>
+        </p:txBody>
+      </p:sp>
+    </p:spTree>
+  </p:cSld>
+  <p:clrMapOvr>
+    <a:masterClrMapping/>
+  </p:clrMapOvr>
+  <p:transition xmlns:p14="http://schemas.microsoft.com/office/powerpoint/2010/main" spd="slow">
+    <p:fade thruBlk="1"/>
+  </p:transition>
+  <p:timing>
+    <p:tnLst>
+      <p:par>
+        <p:cTn xmlns:p14="http://schemas.microsoft.com/office/powerpoint/2010/main" id="1" dur="indefinite" restart="never" nodeType="tmRoot"/>
+      </p:par>
+    </p:tnLst>
+  </p:timing>
+</p:sld>
+</file>
+
+<file path=ppt/slides/slide20.xml><?xml version="1.0" encoding="utf-8"?>
 <p:sld xmlns:a="http://schemas.openxmlformats.org/drawingml/2006/main" xmlns:r="http://schemas.openxmlformats.org/officeDocument/2006/relationships" xmlns:p="http://schemas.openxmlformats.org/presentationml/2006/main">
   <p:cSld>
     <p:spTree>
@@ -15407,7 +16039,7 @@
               <a:pPr>
                 <a:defRPr/>
               </a:pPr>
-              <a:t>19</a:t>
+              <a:t>20</a:t>
             </a:fld>
             <a:endParaRPr lang="en-US" dirty="0"/>
           </a:p>
@@ -15836,205 +16468,7 @@
 </p:sld>
 </file>
 
-<file path=ppt/slides/slide2.xml><?xml version="1.0" encoding="utf-8"?>
-<p:sld xmlns:a="http://schemas.openxmlformats.org/drawingml/2006/main" xmlns:r="http://schemas.openxmlformats.org/officeDocument/2006/relationships" xmlns:p="http://schemas.openxmlformats.org/presentationml/2006/main">
-  <p:cSld>
-    <p:spTree>
-      <p:nvGrpSpPr>
-        <p:cNvPr id="1" name=""/>
-        <p:cNvGrpSpPr/>
-        <p:nvPr/>
-      </p:nvGrpSpPr>
-      <p:grpSpPr>
-        <a:xfrm>
-          <a:off x="0" y="0"/>
-          <a:ext cx="0" cy="0"/>
-          <a:chOff x="0" y="0"/>
-          <a:chExt cx="0" cy="0"/>
-        </a:xfrm>
-      </p:grpSpPr>
-      <p:sp>
-        <p:nvSpPr>
-          <p:cNvPr id="23554" name="Rectangle 2"/>
-          <p:cNvSpPr>
-            <a:spLocks noGrp="1" noChangeArrowheads="1"/>
-          </p:cNvSpPr>
-          <p:nvPr>
-            <p:ph type="title"/>
-          </p:nvPr>
-        </p:nvSpPr>
-        <p:spPr>
-          <a:xfrm>
-            <a:off x="1447800" y="50800"/>
-            <a:ext cx="7391400" cy="1143000"/>
-          </a:xfrm>
-        </p:spPr>
-        <p:txBody>
-          <a:bodyPr/>
-          <a:lstStyle/>
-          <a:p>
-            <a:r>
-              <a:rPr lang="en-US" sz="4000" smtClean="0"/>
-              <a:t>Flight Gates</a:t>
-            </a:r>
-            <a:r>
-              <a:rPr lang="en-US" smtClean="0"/>
-              <a:t> </a:t>
-            </a:r>
-          </a:p>
-        </p:txBody>
-      </p:sp>
-      <p:sp>
-        <p:nvSpPr>
-          <p:cNvPr id="23555" name="Rectangle 3"/>
-          <p:cNvSpPr>
-            <a:spLocks noGrp="1" noChangeArrowheads="1"/>
-          </p:cNvSpPr>
-          <p:nvPr>
-            <p:ph type="body" idx="1"/>
-          </p:nvPr>
-        </p:nvSpPr>
-        <p:spPr>
-          <a:xfrm>
-            <a:off x="209550" y="1600200"/>
-            <a:ext cx="8934450" cy="4000500"/>
-          </a:xfrm>
-        </p:spPr>
-        <p:txBody>
-          <a:bodyPr/>
-          <a:lstStyle/>
-          <a:p>
-            <a:pPr>
-              <a:buFontTx/>
-              <a:buNone/>
-            </a:pPr>
-            <a:r>
-              <a:rPr lang="en-US" sz="6000" dirty="0" smtClean="0"/>
-              <a:t>flights need gates, but </a:t>
-            </a:r>
-          </a:p>
-          <a:p>
-            <a:pPr>
-              <a:buFontTx/>
-              <a:buNone/>
-            </a:pPr>
-            <a:r>
-              <a:rPr lang="en-US" sz="6000" dirty="0" smtClean="0"/>
-              <a:t>times overlap. </a:t>
-            </a:r>
-          </a:p>
-          <a:p>
-            <a:pPr>
-              <a:buFontTx/>
-              <a:buNone/>
-            </a:pPr>
-            <a:r>
-              <a:rPr lang="en-US" sz="6000" dirty="0" smtClean="0">
-                <a:solidFill>
-                  <a:srgbClr val="0033CC"/>
-                </a:solidFill>
-              </a:rPr>
-              <a:t>how many </a:t>
-            </a:r>
-            <a:r>
-              <a:rPr lang="en-US" sz="6000" dirty="0" smtClean="0"/>
-              <a:t>gates needed?</a:t>
-            </a:r>
-          </a:p>
-        </p:txBody>
-      </p:sp>
-      <p:pic>
-        <p:nvPicPr>
-          <p:cNvPr id="23556" name="Picture 4" descr="j0320932"/>
-          <p:cNvPicPr>
-            <a:picLocks noChangeAspect="1" noChangeArrowheads="1"/>
-          </p:cNvPicPr>
-          <p:nvPr/>
-        </p:nvPicPr>
-        <p:blipFill>
-          <a:blip r:embed="rId3"/>
-          <a:srcRect/>
-          <a:stretch>
-            <a:fillRect/>
-          </a:stretch>
-        </p:blipFill>
-        <p:spPr bwMode="auto">
-          <a:xfrm>
-            <a:off x="4762500" y="141288"/>
-            <a:ext cx="3276600" cy="989012"/>
-          </a:xfrm>
-          <a:prstGeom prst="rect">
-            <a:avLst/>
-          </a:prstGeom>
-          <a:noFill/>
-          <a:ln w="9525">
-            <a:noFill/>
-            <a:miter lim="800000"/>
-            <a:headEnd/>
-            <a:tailEnd/>
-          </a:ln>
-        </p:spPr>
-      </p:pic>
-      <p:sp>
-        <p:nvSpPr>
-          <p:cNvPr id="5" name="Rectangle 11"/>
-          <p:cNvSpPr>
-            <a:spLocks noGrp="1" noChangeArrowheads="1"/>
-          </p:cNvSpPr>
-          <p:nvPr>
-            <p:ph type="sldNum" sz="quarter" idx="10"/>
-          </p:nvPr>
-        </p:nvSpPr>
-        <p:spPr/>
-        <p:txBody>
-          <a:bodyPr/>
-          <a:lstStyle>
-            <a:lvl1pPr>
-              <a:defRPr/>
-            </a:lvl1pPr>
-          </a:lstStyle>
-          <a:p>
-            <a:pPr>
-              <a:defRPr/>
-            </a:pPr>
-            <a:r>
-              <a:rPr lang="en-US" dirty="0" err="1" smtClean="0"/>
-              <a:t>lec</a:t>
-            </a:r>
-            <a:r>
-              <a:rPr lang="en-US" dirty="0" smtClean="0"/>
-              <a:t> 8M.</a:t>
-            </a:r>
-            <a:fld id="{30A26BC1-508A-43F3-AC00-520955D5F248}" type="slidenum">
-              <a:rPr lang="en-US" smtClean="0"/>
-              <a:pPr>
-                <a:defRPr/>
-              </a:pPr>
-              <a:t>2</a:t>
-            </a:fld>
-            <a:endParaRPr lang="en-US" dirty="0"/>
-          </a:p>
-        </p:txBody>
-      </p:sp>
-    </p:spTree>
-  </p:cSld>
-  <p:clrMapOvr>
-    <a:masterClrMapping/>
-  </p:clrMapOvr>
-  <p:transition xmlns:p14="http://schemas.microsoft.com/office/powerpoint/2010/main" spd="slow">
-    <p:fade thruBlk="1"/>
-  </p:transition>
-  <p:timing>
-    <p:tnLst>
-      <p:par>
-        <p:cTn xmlns:p14="http://schemas.microsoft.com/office/powerpoint/2010/main" id="1" dur="indefinite" restart="never" nodeType="tmRoot"/>
-      </p:par>
-    </p:tnLst>
-  </p:timing>
-</p:sld>
-</file>
-
-<file path=ppt/slides/slide20.xml><?xml version="1.0" encoding="utf-8"?>
+<file path=ppt/slides/slide21.xml><?xml version="1.0" encoding="utf-8"?>
 <p:sld xmlns:a="http://schemas.openxmlformats.org/drawingml/2006/main" xmlns:r="http://schemas.openxmlformats.org/officeDocument/2006/relationships" xmlns:p="http://schemas.openxmlformats.org/presentationml/2006/main">
   <p:cSld>
     <p:spTree>
@@ -16172,7 +16606,7 @@
           <a:graphicData uri="http://schemas.openxmlformats.org/presentationml/2006/ole">
             <mc:AlternateContent xmlns:mc="http://schemas.openxmlformats.org/markup-compatibility/2006">
               <mc:Choice xmlns:v="urn:schemas-microsoft-com:vml" Requires="v">
-                <p:oleObj spid="_x0000_s81942" name="Equation" r:id="rId4" imgW="914400" imgH="198720" progId="Equation.DSMT4">
+                <p:oleObj spid="_x0000_s81944" name="Equation" r:id="rId4" imgW="914400" imgH="198720" progId="Equation.DSMT4">
                   <p:embed/>
                 </p:oleObj>
               </mc:Choice>
@@ -16306,7 +16740,7 @@
               <a:pPr>
                 <a:defRPr/>
               </a:pPr>
-              <a:t>20</a:t>
+              <a:t>21</a:t>
             </a:fld>
             <a:endParaRPr lang="en-US" dirty="0"/>
           </a:p>
@@ -16530,7 +16964,7 @@
 </p:sld>
 </file>
 
-<file path=ppt/slides/slide21.xml><?xml version="1.0" encoding="utf-8"?>
+<file path=ppt/slides/slide22.xml><?xml version="1.0" encoding="utf-8"?>
 <p:sld xmlns:a="http://schemas.openxmlformats.org/drawingml/2006/main" xmlns:r="http://schemas.openxmlformats.org/officeDocument/2006/relationships" xmlns:p="http://schemas.openxmlformats.org/presentationml/2006/main">
   <p:cSld>
     <p:spTree>
@@ -16828,7 +17262,7 @@
               <a:pPr>
                 <a:defRPr/>
               </a:pPr>
-              <a:t>21</a:t>
+              <a:t>22</a:t>
             </a:fld>
             <a:endParaRPr lang="en-US" dirty="0"/>
           </a:p>
@@ -16971,7 +17405,7 @@
 </p:sld>
 </file>
 
-<file path=ppt/slides/slide22.xml><?xml version="1.0" encoding="utf-8"?>
+<file path=ppt/slides/slide23.xml><?xml version="1.0" encoding="utf-8"?>
 <p:sld xmlns:a="http://schemas.openxmlformats.org/drawingml/2006/main" xmlns:r="http://schemas.openxmlformats.org/officeDocument/2006/relationships" xmlns:p="http://schemas.openxmlformats.org/presentationml/2006/main" show="0">
   <p:cSld>
     <p:spTree>
@@ -18229,7 +18663,7 @@
               <a:pPr>
                 <a:defRPr/>
               </a:pPr>
-              <a:t>22</a:t>
+              <a:t>23</a:t>
             </a:fld>
             <a:endParaRPr lang="en-US" dirty="0"/>
           </a:p>
@@ -18324,7 +18758,7 @@
 </p:sld>
 </file>
 
-<file path=ppt/slides/slide23.xml><?xml version="1.0" encoding="utf-8"?>
+<file path=ppt/slides/slide24.xml><?xml version="1.0" encoding="utf-8"?>
 <p:sld xmlns:a="http://schemas.openxmlformats.org/drawingml/2006/main" xmlns:r="http://schemas.openxmlformats.org/officeDocument/2006/relationships" xmlns:p="http://schemas.openxmlformats.org/presentationml/2006/main" show="0">
   <p:cSld>
     <p:spTree>
@@ -19619,7 +20053,7 @@
               <a:pPr>
                 <a:defRPr/>
               </a:pPr>
-              <a:t>23</a:t>
+              <a:t>24</a:t>
             </a:fld>
             <a:endParaRPr lang="en-US" dirty="0"/>
           </a:p>
@@ -19760,7 +20194,7 @@
 </p:sld>
 </file>
 
-<file path=ppt/slides/slide24.xml><?xml version="1.0" encoding="utf-8"?>
+<file path=ppt/slides/slide25.xml><?xml version="1.0" encoding="utf-8"?>
 <p:sld xmlns:a="http://schemas.openxmlformats.org/drawingml/2006/main" xmlns:r="http://schemas.openxmlformats.org/officeDocument/2006/relationships" xmlns:p="http://schemas.openxmlformats.org/presentationml/2006/main">
   <p:cSld>
     <p:spTree>
@@ -20065,7 +20499,7 @@
               <a:pPr>
                 <a:defRPr/>
               </a:pPr>
-              <a:t>24</a:t>
+              <a:t>25</a:t>
             </a:fld>
             <a:endParaRPr lang="en-US" dirty="0"/>
           </a:p>

--- a/spring12/slidesS12/simple-coloring.pptx
+++ b/spring12/slidesS12/simple-coloring.pptx
@@ -6135,7 +6135,7 @@
 </file>
 
 <file path=ppt/slides/slide11.xml><?xml version="1.0" encoding="utf-8"?>
-<p:sld xmlns:a="http://schemas.openxmlformats.org/drawingml/2006/main" xmlns:r="http://schemas.openxmlformats.org/officeDocument/2006/relationships" xmlns:p="http://schemas.openxmlformats.org/presentationml/2006/main" show="0">
+<p:sld xmlns:a="http://schemas.openxmlformats.org/drawingml/2006/main" xmlns:r="http://schemas.openxmlformats.org/officeDocument/2006/relationships" xmlns:p="http://schemas.openxmlformats.org/presentationml/2006/main">
   <p:cSld>
     <p:spTree>
       <p:nvGrpSpPr>
@@ -6599,7 +6599,7 @@
 </file>
 
 <file path=ppt/slides/slide13.xml><?xml version="1.0" encoding="utf-8"?>
-<p:sld xmlns:a="http://schemas.openxmlformats.org/drawingml/2006/main" xmlns:r="http://schemas.openxmlformats.org/officeDocument/2006/relationships" xmlns:p="http://schemas.openxmlformats.org/presentationml/2006/main" show="0">
+<p:sld xmlns:a="http://schemas.openxmlformats.org/drawingml/2006/main" xmlns:r="http://schemas.openxmlformats.org/officeDocument/2006/relationships" xmlns:p="http://schemas.openxmlformats.org/presentationml/2006/main">
   <p:cSld>
     <p:spTree>
       <p:nvGrpSpPr>
@@ -8531,15 +8531,7 @@
                   <a:srgbClr val="C8066F"/>
                 </a:solidFill>
               </a:rPr>
-              <a:t>chromatic </a:t>
-            </a:r>
-            <a:r>
-              <a:rPr lang="en-US" sz="5400" dirty="0" smtClean="0">
-                <a:solidFill>
-                  <a:srgbClr val="C8066F"/>
-                </a:solidFill>
-              </a:rPr>
-              <a:t>number</a:t>
+              <a:t>chromatic number</a:t>
             </a:r>
           </a:p>
           <a:p>
@@ -8565,23 +8557,8 @@
                 </a:solidFill>
                 <a:sym typeface="Euclid Symbol" pitchFamily="18" charset="2"/>
               </a:rPr>
-              <a:t>(G</a:t>
-            </a:r>
-            <a:r>
-              <a:rPr lang="en-US" sz="8000" dirty="0" smtClean="0">
-                <a:solidFill>
-                  <a:srgbClr val="0000FF"/>
-                </a:solidFill>
-                <a:sym typeface="Euclid Symbol" pitchFamily="18" charset="2"/>
-              </a:rPr>
-              <a:t>)</a:t>
-            </a:r>
-            <a:endParaRPr lang="en-US" sz="8000" dirty="0" smtClean="0">
-              <a:solidFill>
-                <a:srgbClr val="0000FF"/>
-              </a:solidFill>
-              <a:sym typeface="Euclid Symbol" pitchFamily="18" charset="2"/>
-            </a:endParaRPr>
+              <a:t>(G)</a:t>
+            </a:r>
           </a:p>
         </p:txBody>
       </p:sp>
@@ -16606,7 +16583,7 @@
           <a:graphicData uri="http://schemas.openxmlformats.org/presentationml/2006/ole">
             <mc:AlternateContent xmlns:mc="http://schemas.openxmlformats.org/markup-compatibility/2006">
               <mc:Choice xmlns:v="urn:schemas-microsoft-com:vml" Requires="v">
-                <p:oleObj spid="_x0000_s81944" name="Equation" r:id="rId4" imgW="914400" imgH="198720" progId="Equation.DSMT4">
+                <p:oleObj spid="_x0000_s81946" name="Equation" r:id="rId4" imgW="914400" imgH="198720" progId="Equation.DSMT4">
                   <p:embed/>
                 </p:oleObj>
               </mc:Choice>
@@ -17406,7 +17383,7 @@
 </file>
 
 <file path=ppt/slides/slide23.xml><?xml version="1.0" encoding="utf-8"?>
-<p:sld xmlns:a="http://schemas.openxmlformats.org/drawingml/2006/main" xmlns:r="http://schemas.openxmlformats.org/officeDocument/2006/relationships" xmlns:p="http://schemas.openxmlformats.org/presentationml/2006/main" show="0">
+<p:sld xmlns:a="http://schemas.openxmlformats.org/drawingml/2006/main" xmlns:r="http://schemas.openxmlformats.org/officeDocument/2006/relationships" xmlns:p="http://schemas.openxmlformats.org/presentationml/2006/main">
   <p:cSld>
     <p:spTree>
       <p:nvGrpSpPr>
@@ -18759,7 +18736,7 @@
 </file>
 
 <file path=ppt/slides/slide24.xml><?xml version="1.0" encoding="utf-8"?>
-<p:sld xmlns:a="http://schemas.openxmlformats.org/drawingml/2006/main" xmlns:r="http://schemas.openxmlformats.org/officeDocument/2006/relationships" xmlns:p="http://schemas.openxmlformats.org/presentationml/2006/main" show="0">
+<p:sld xmlns:a="http://schemas.openxmlformats.org/drawingml/2006/main" xmlns:r="http://schemas.openxmlformats.org/officeDocument/2006/relationships" xmlns:p="http://schemas.openxmlformats.org/presentationml/2006/main">
   <p:cSld>
     <p:spTree>
       <p:nvGrpSpPr>

--- a/spring12/slidesS12/simple-coloring.pptx
+++ b/spring12/slidesS12/simple-coloring.pptx
@@ -38,7 +38,7 @@
     <p:sldId id="1013" r:id="rId26"/>
   </p:sldIdLst>
   <p:sldSz cx="9144000" cy="6858000" type="screen4x3"/>
-  <p:notesSz cx="7315200" cy="9601200"/>
+  <p:notesSz cx="9601200" cy="7315200"/>
   <p:custDataLst>
     <p:tags r:id="rId30"/>
   </p:custDataLst>
@@ -207,8 +207,8 @@
         </p:nvSpPr>
         <p:spPr bwMode="auto">
           <a:xfrm>
-            <a:off x="1" y="0"/>
-            <a:ext cx="3170238" cy="479425"/>
+            <a:off x="2" y="0"/>
+            <a:ext cx="4160937" cy="365276"/>
           </a:xfrm>
           <a:prstGeom prst="rect">
             <a:avLst/>
@@ -255,8 +255,8 @@
         </p:nvSpPr>
         <p:spPr bwMode="auto">
           <a:xfrm>
-            <a:off x="4143376" y="0"/>
-            <a:ext cx="3170238" cy="479425"/>
+            <a:off x="5438181" y="0"/>
+            <a:ext cx="4160937" cy="365276"/>
           </a:xfrm>
           <a:prstGeom prst="rect">
             <a:avLst/>
@@ -303,8 +303,8 @@
         </p:nvSpPr>
         <p:spPr bwMode="auto">
           <a:xfrm>
-            <a:off x="1" y="9120189"/>
-            <a:ext cx="3170238" cy="479425"/>
+            <a:off x="2" y="6948716"/>
+            <a:ext cx="4160937" cy="365276"/>
           </a:xfrm>
           <a:prstGeom prst="rect">
             <a:avLst/>
@@ -351,8 +351,8 @@
         </p:nvSpPr>
         <p:spPr bwMode="auto">
           <a:xfrm>
-            <a:off x="4143376" y="9120189"/>
-            <a:ext cx="3170238" cy="479425"/>
+            <a:off x="5438181" y="6948716"/>
+            <a:ext cx="4160937" cy="365276"/>
           </a:xfrm>
           <a:prstGeom prst="rect">
             <a:avLst/>
@@ -442,8 +442,8 @@
         </p:nvSpPr>
         <p:spPr bwMode="auto">
           <a:xfrm>
-            <a:off x="1" y="0"/>
-            <a:ext cx="3170238" cy="479425"/>
+            <a:off x="2" y="0"/>
+            <a:ext cx="4160937" cy="365276"/>
           </a:xfrm>
           <a:prstGeom prst="rect">
             <a:avLst/>
@@ -490,8 +490,8 @@
         </p:nvSpPr>
         <p:spPr bwMode="auto">
           <a:xfrm>
-            <a:off x="4144964" y="0"/>
-            <a:ext cx="3170237" cy="479425"/>
+            <a:off x="5440266" y="0"/>
+            <a:ext cx="4160936" cy="365276"/>
           </a:xfrm>
           <a:prstGeom prst="rect">
             <a:avLst/>
@@ -538,8 +538,8 @@
         </p:nvSpPr>
         <p:spPr bwMode="auto">
           <a:xfrm>
-            <a:off x="1257300" y="720725"/>
-            <a:ext cx="4800600" cy="3600450"/>
+            <a:off x="2971800" y="549275"/>
+            <a:ext cx="3657600" cy="2743200"/>
           </a:xfrm>
           <a:prstGeom prst="rect">
             <a:avLst/>
@@ -567,8 +567,8 @@
         </p:nvSpPr>
         <p:spPr bwMode="auto">
           <a:xfrm>
-            <a:off x="976314" y="4560889"/>
-            <a:ext cx="5362575" cy="4319587"/>
+            <a:off x="1281413" y="3474963"/>
+            <a:ext cx="7038380" cy="3291114"/>
           </a:xfrm>
           <a:prstGeom prst="rect">
             <a:avLst/>
@@ -638,8 +638,8 @@
         </p:nvSpPr>
         <p:spPr bwMode="auto">
           <a:xfrm>
-            <a:off x="1" y="9121776"/>
-            <a:ext cx="3170238" cy="479425"/>
+            <a:off x="2" y="6949925"/>
+            <a:ext cx="4160937" cy="365276"/>
           </a:xfrm>
           <a:prstGeom prst="rect">
             <a:avLst/>
@@ -686,8 +686,8 @@
         </p:nvSpPr>
         <p:spPr bwMode="auto">
           <a:xfrm>
-            <a:off x="4144964" y="9121776"/>
-            <a:ext cx="3170237" cy="479425"/>
+            <a:off x="5440266" y="6949925"/>
+            <a:ext cx="4160936" cy="365276"/>
           </a:xfrm>
           <a:prstGeom prst="rect">
             <a:avLst/>
@@ -16583,7 +16583,7 @@
           <a:graphicData uri="http://schemas.openxmlformats.org/presentationml/2006/ole">
             <mc:AlternateContent xmlns:mc="http://schemas.openxmlformats.org/markup-compatibility/2006">
               <mc:Choice xmlns:v="urn:schemas-microsoft-com:vml" Requires="v">
-                <p:oleObj spid="_x0000_s81946" name="Equation" r:id="rId4" imgW="914400" imgH="198720" progId="Equation.DSMT4">
+                <p:oleObj spid="_x0000_s81948" name="Equation" r:id="rId4" imgW="914400" imgH="198720" progId="Equation.DSMT4">
                   <p:embed/>
                 </p:oleObj>
               </mc:Choice>

--- a/spring12/slidesS12/simple-coloring.pptx
+++ b/spring12/slidesS12/simple-coloring.pptx
@@ -4488,9 +4488,14 @@
   <p:clrMapOvr>
     <a:masterClrMapping/>
   </p:clrMapOvr>
-  <p:transition xmlns:p14="http://schemas.microsoft.com/office/powerpoint/2010/main" spd="slow">
-    <p:fade thruBlk="1"/>
-  </p:transition>
+  <mc:AlternateContent xmlns:mc="http://schemas.openxmlformats.org/markup-compatibility/2006">
+    <mc:Choice xmlns:p14="http://schemas.microsoft.com/office/powerpoint/2010/main" Requires="p14">
+      <p:transition p14:dur="0"/>
+    </mc:Choice>
+    <mc:Fallback>
+      <p:transition xmlns:p14="http://schemas.microsoft.com/office/powerpoint/2010/main"/>
+    </mc:Fallback>
+  </mc:AlternateContent>
   <p:timing>
     <p:tnLst>
       <p:par>
@@ -5848,7 +5853,7 @@
                             </p:stCondLst>
                             <p:childTnLst>
                               <p:par>
-                                <p:cTn id="5" presetID="1" presetClass="entr" presetSubtype="0" fill="hold" nodeType="clickEffect">
+                                <p:cTn id="5" presetID="9" presetClass="entr" presetSubtype="0" fill="hold" nodeType="clickEffect">
                                   <p:stCondLst>
                                     <p:cond delay="0"/>
                                   </p:stCondLst>
@@ -5871,6 +5876,14 @@
                                         <p:strVal val="visible"/>
                                       </p:to>
                                     </p:set>
+                                    <p:animEffect transition="in" filter="dissolve">
+                                      <p:cBhvr>
+                                        <p:cTn id="7" dur="500"/>
+                                        <p:tgtEl>
+                                          <p:spTgt spid="2"/>
+                                        </p:tgtEl>
+                                      </p:cBhvr>
+                                    </p:animEffect>
                                   </p:childTnLst>
                                 </p:cTn>
                               </p:par>
@@ -5881,26 +5894,26 @@
                     </p:cTn>
                   </p:par>
                   <p:par>
-                    <p:cTn id="7" fill="hold">
+                    <p:cTn id="8" fill="hold">
                       <p:stCondLst>
                         <p:cond delay="indefinite"/>
                       </p:stCondLst>
                       <p:childTnLst>
                         <p:par>
-                          <p:cTn id="8" fill="hold">
+                          <p:cTn id="9" fill="hold">
                             <p:stCondLst>
                               <p:cond delay="0"/>
                             </p:stCondLst>
                             <p:childTnLst>
                               <p:par>
-                                <p:cTn id="9" presetID="1" presetClass="entr" presetSubtype="0" fill="hold" grpId="0" nodeType="clickEffect">
+                                <p:cTn id="10" presetID="9" presetClass="entr" presetSubtype="0" fill="hold" grpId="0" nodeType="clickEffect">
                                   <p:stCondLst>
                                     <p:cond delay="0"/>
                                   </p:stCondLst>
                                   <p:childTnLst>
                                     <p:set>
                                       <p:cBhvr>
-                                        <p:cTn id="10" dur="1" fill="hold">
+                                        <p:cTn id="11" dur="1" fill="hold">
                                           <p:stCondLst>
                                             <p:cond delay="0"/>
                                           </p:stCondLst>
@@ -5916,6 +5929,14 @@
                                         <p:strVal val="visible"/>
                                       </p:to>
                                     </p:set>
+                                    <p:animEffect transition="in" filter="dissolve">
+                                      <p:cBhvr>
+                                        <p:cTn id="12" dur="500"/>
+                                        <p:tgtEl>
+                                          <p:spTgt spid="181269"/>
+                                        </p:tgtEl>
+                                      </p:cBhvr>
+                                    </p:animEffect>
                                   </p:childTnLst>
                                 </p:cTn>
                               </p:par>
@@ -5926,26 +5947,26 @@
                     </p:cTn>
                   </p:par>
                   <p:par>
-                    <p:cTn id="11" fill="hold">
+                    <p:cTn id="13" fill="hold">
                       <p:stCondLst>
                         <p:cond delay="indefinite"/>
                       </p:stCondLst>
                       <p:childTnLst>
                         <p:par>
-                          <p:cTn id="12" fill="hold">
+                          <p:cTn id="14" fill="hold">
                             <p:stCondLst>
                               <p:cond delay="0"/>
                             </p:stCondLst>
                             <p:childTnLst>
                               <p:par>
-                                <p:cTn id="13" presetID="1" presetClass="entr" presetSubtype="0" fill="hold" grpId="0" nodeType="clickEffect">
+                                <p:cTn id="15" presetID="9" presetClass="entr" presetSubtype="0" fill="hold" grpId="0" nodeType="clickEffect">
                                   <p:stCondLst>
                                     <p:cond delay="0"/>
                                   </p:stCondLst>
                                   <p:childTnLst>
                                     <p:set>
                                       <p:cBhvr>
-                                        <p:cTn id="14" dur="1" fill="hold">
+                                        <p:cTn id="16" dur="1" fill="hold">
                                           <p:stCondLst>
                                             <p:cond delay="0"/>
                                           </p:stCondLst>
@@ -5961,6 +5982,14 @@
                                         <p:strVal val="visible"/>
                                       </p:to>
                                     </p:set>
+                                    <p:animEffect transition="in" filter="dissolve">
+                                      <p:cBhvr>
+                                        <p:cTn id="17" dur="500"/>
+                                        <p:tgtEl>
+                                          <p:spTgt spid="181274"/>
+                                        </p:tgtEl>
+                                      </p:cBhvr>
+                                    </p:animEffect>
                                   </p:childTnLst>
                                 </p:cTn>
                               </p:par>
@@ -5971,26 +6000,26 @@
                     </p:cTn>
                   </p:par>
                   <p:par>
-                    <p:cTn id="15" fill="hold">
+                    <p:cTn id="18" fill="hold">
                       <p:stCondLst>
                         <p:cond delay="indefinite"/>
                       </p:stCondLst>
                       <p:childTnLst>
                         <p:par>
-                          <p:cTn id="16" fill="hold">
+                          <p:cTn id="19" fill="hold">
                             <p:stCondLst>
                               <p:cond delay="0"/>
                             </p:stCondLst>
                             <p:childTnLst>
                               <p:par>
-                                <p:cTn id="17" presetID="1" presetClass="entr" presetSubtype="0" fill="hold" nodeType="clickEffect">
+                                <p:cTn id="20" presetID="9" presetClass="entr" presetSubtype="0" fill="hold" nodeType="clickEffect">
                                   <p:stCondLst>
                                     <p:cond delay="0"/>
                                   </p:stCondLst>
                                   <p:childTnLst>
                                     <p:set>
                                       <p:cBhvr>
-                                        <p:cTn id="18" dur="1" fill="hold">
+                                        <p:cTn id="21" dur="1" fill="hold">
                                           <p:stCondLst>
                                             <p:cond delay="0"/>
                                           </p:stCondLst>
@@ -6010,18 +6039,30 @@
                                         <p:strVal val="visible"/>
                                       </p:to>
                                     </p:set>
+                                    <p:animEffect transition="in" filter="dissolve">
+                                      <p:cBhvr>
+                                        <p:cTn id="22" dur="500"/>
+                                        <p:tgtEl>
+                                          <p:spTgt spid="181283">
+                                            <p:txEl>
+                                              <p:pRg st="0" end="0"/>
+                                            </p:txEl>
+                                          </p:spTgt>
+                                        </p:tgtEl>
+                                      </p:cBhvr>
+                                    </p:animEffect>
                                   </p:childTnLst>
                                 </p:cTn>
                               </p:par>
                               <p:par>
-                                <p:cTn id="19" presetID="1" presetClass="entr" presetSubtype="0" fill="hold" nodeType="withEffect">
+                                <p:cTn id="23" presetID="9" presetClass="entr" presetSubtype="0" fill="hold" nodeType="withEffect">
                                   <p:stCondLst>
                                     <p:cond delay="0"/>
                                   </p:stCondLst>
                                   <p:childTnLst>
                                     <p:set>
                                       <p:cBhvr>
-                                        <p:cTn id="20" dur="1" fill="hold">
+                                        <p:cTn id="24" dur="1" fill="hold">
                                           <p:stCondLst>
                                             <p:cond delay="0"/>
                                           </p:stCondLst>
@@ -6041,18 +6082,30 @@
                                         <p:strVal val="visible"/>
                                       </p:to>
                                     </p:set>
+                                    <p:animEffect transition="in" filter="dissolve">
+                                      <p:cBhvr>
+                                        <p:cTn id="25" dur="500"/>
+                                        <p:tgtEl>
+                                          <p:spTgt spid="181283">
+                                            <p:txEl>
+                                              <p:pRg st="1" end="1"/>
+                                            </p:txEl>
+                                          </p:spTgt>
+                                        </p:tgtEl>
+                                      </p:cBhvr>
+                                    </p:animEffect>
                                   </p:childTnLst>
                                 </p:cTn>
                               </p:par>
                               <p:par>
-                                <p:cTn id="21" presetID="1" presetClass="entr" presetSubtype="0" fill="hold" grpId="0" nodeType="withEffect">
+                                <p:cTn id="26" presetID="9" presetClass="entr" presetSubtype="0" fill="hold" grpId="0" nodeType="withEffect">
                                   <p:stCondLst>
                                     <p:cond delay="0"/>
                                   </p:stCondLst>
                                   <p:childTnLst>
                                     <p:set>
                                       <p:cBhvr>
-                                        <p:cTn id="22" dur="1" fill="hold">
+                                        <p:cTn id="27" dur="1" fill="hold">
                                           <p:stCondLst>
                                             <p:cond delay="0"/>
                                           </p:stCondLst>
@@ -6068,18 +6121,26 @@
                                         <p:strVal val="visible"/>
                                       </p:to>
                                     </p:set>
+                                    <p:animEffect transition="in" filter="dissolve">
+                                      <p:cBhvr>
+                                        <p:cTn id="28" dur="500"/>
+                                        <p:tgtEl>
+                                          <p:spTgt spid="181282"/>
+                                        </p:tgtEl>
+                                      </p:cBhvr>
+                                    </p:animEffect>
                                   </p:childTnLst>
                                 </p:cTn>
                               </p:par>
                               <p:par>
-                                <p:cTn id="23" presetID="1" presetClass="entr" presetSubtype="0" fill="hold" nodeType="withEffect">
+                                <p:cTn id="29" presetID="9" presetClass="entr" presetSubtype="0" fill="hold" nodeType="withEffect">
                                   <p:stCondLst>
                                     <p:cond delay="0"/>
                                   </p:stCondLst>
                                   <p:childTnLst>
                                     <p:set>
                                       <p:cBhvr>
-                                        <p:cTn id="24" dur="1" fill="hold">
+                                        <p:cTn id="30" dur="1" fill="hold">
                                           <p:stCondLst>
                                             <p:cond delay="0"/>
                                           </p:stCondLst>
@@ -6095,6 +6156,14 @@
                                         <p:strVal val="visible"/>
                                       </p:to>
                                     </p:set>
+                                    <p:animEffect transition="in" filter="dissolve">
+                                      <p:cBhvr>
+                                        <p:cTn id="31" dur="500"/>
+                                        <p:tgtEl>
+                                          <p:spTgt spid="3"/>
+                                        </p:tgtEl>
+                                      </p:cBhvr>
+                                    </p:animEffect>
                                   </p:childTnLst>
                                 </p:cTn>
                               </p:par>
@@ -6359,7 +6428,7 @@
                             </p:stCondLst>
                             <p:childTnLst>
                               <p:par>
-                                <p:cTn id="5" presetID="1" presetClass="entr" presetSubtype="0" fill="hold" nodeType="clickEffect">
+                                <p:cTn id="5" presetID="9" presetClass="entr" presetSubtype="0" fill="hold" nodeType="clickEffect">
                                   <p:stCondLst>
                                     <p:cond delay="0"/>
                                   </p:stCondLst>
@@ -6386,6 +6455,18 @@
                                         <p:strVal val="visible"/>
                                       </p:to>
                                     </p:set>
+                                    <p:animEffect transition="in" filter="dissolve">
+                                      <p:cBhvr>
+                                        <p:cTn id="7" dur="500"/>
+                                        <p:tgtEl>
+                                          <p:spTgt spid="183299">
+                                            <p:txEl>
+                                              <p:pRg st="1" end="1"/>
+                                            </p:txEl>
+                                          </p:spTgt>
+                                        </p:tgtEl>
+                                      </p:cBhvr>
+                                    </p:animEffect>
                                   </p:childTnLst>
                                 </p:cTn>
                               </p:par>
@@ -6396,26 +6477,26 @@
                     </p:cTn>
                   </p:par>
                   <p:par>
-                    <p:cTn id="7" fill="hold">
+                    <p:cTn id="8" fill="hold">
                       <p:stCondLst>
                         <p:cond delay="indefinite"/>
                       </p:stCondLst>
                       <p:childTnLst>
                         <p:par>
-                          <p:cTn id="8" fill="hold">
+                          <p:cTn id="9" fill="hold">
                             <p:stCondLst>
                               <p:cond delay="0"/>
                             </p:stCondLst>
                             <p:childTnLst>
                               <p:par>
-                                <p:cTn id="9" presetID="1" presetClass="entr" presetSubtype="0" fill="hold" nodeType="clickEffect">
+                                <p:cTn id="10" presetID="9" presetClass="entr" presetSubtype="0" fill="hold" nodeType="clickEffect">
                                   <p:stCondLst>
                                     <p:cond delay="0"/>
                                   </p:stCondLst>
                                   <p:childTnLst>
                                     <p:set>
                                       <p:cBhvr>
-                                        <p:cTn id="10" dur="1" fill="hold">
+                                        <p:cTn id="11" dur="1" fill="hold">
                                           <p:stCondLst>
                                             <p:cond delay="0"/>
                                           </p:stCondLst>
@@ -6435,6 +6516,18 @@
                                         <p:strVal val="visible"/>
                                       </p:to>
                                     </p:set>
+                                    <p:animEffect transition="in" filter="dissolve">
+                                      <p:cBhvr>
+                                        <p:cTn id="12" dur="500"/>
+                                        <p:tgtEl>
+                                          <p:spTgt spid="183299">
+                                            <p:txEl>
+                                              <p:pRg st="2" end="2"/>
+                                            </p:txEl>
+                                          </p:spTgt>
+                                        </p:tgtEl>
+                                      </p:cBhvr>
+                                    </p:animEffect>
                                   </p:childTnLst>
                                 </p:cTn>
                               </p:par>
@@ -7265,286 +7358,316 @@
           </a:p>
         </p:txBody>
       </p:sp>
-      <p:sp>
-        <p:nvSpPr>
-          <p:cNvPr id="34827" name="Line 21"/>
-          <p:cNvSpPr>
-            <a:spLocks noChangeShapeType="1"/>
-          </p:cNvSpPr>
+      <p:grpSp>
+        <p:nvGrpSpPr>
+          <p:cNvPr id="4" name="Group 3"/>
+          <p:cNvGrpSpPr/>
           <p:nvPr/>
-        </p:nvSpPr>
-        <p:spPr bwMode="auto">
-          <a:xfrm flipV="1">
-            <a:off x="4572000" y="3124200"/>
-            <a:ext cx="304800" cy="1143000"/>
+        </p:nvGrpSpPr>
+        <p:grpSpPr>
+          <a:xfrm>
+            <a:off x="1981200" y="2895600"/>
+            <a:ext cx="4495800" cy="2362200"/>
+            <a:chOff x="1981200" y="2895600"/>
+            <a:chExt cx="4495800" cy="2362200"/>
           </a:xfrm>
-          <a:prstGeom prst="line">
-            <a:avLst/>
-          </a:prstGeom>
-          <a:noFill/>
-          <a:ln w="31750">
-            <a:solidFill>
-              <a:schemeClr val="tx1"/>
-            </a:solidFill>
-            <a:prstDash val="sysDot"/>
-            <a:round/>
-            <a:headEnd/>
-            <a:tailEnd type="none" w="lg" len="lg"/>
-          </a:ln>
-        </p:spPr>
-        <p:txBody>
-          <a:bodyPr/>
-          <a:lstStyle/>
-          <a:p>
-            <a:endParaRPr lang="en-US"/>
-          </a:p>
-        </p:txBody>
-      </p:sp>
-      <p:sp>
-        <p:nvSpPr>
-          <p:cNvPr id="34828" name="Line 22"/>
-          <p:cNvSpPr>
-            <a:spLocks noChangeShapeType="1"/>
-          </p:cNvSpPr>
-          <p:nvPr/>
-        </p:nvSpPr>
-        <p:spPr bwMode="auto">
-          <a:xfrm flipV="1">
-            <a:off x="2057400" y="4267200"/>
-            <a:ext cx="2438400" cy="990600"/>
-          </a:xfrm>
-          <a:prstGeom prst="line">
-            <a:avLst/>
-          </a:prstGeom>
-          <a:noFill/>
-          <a:ln w="31750">
-            <a:solidFill>
-              <a:schemeClr val="tx1"/>
-            </a:solidFill>
-            <a:prstDash val="sysDot"/>
-            <a:round/>
-            <a:headEnd/>
-            <a:tailEnd type="none" w="lg" len="lg"/>
-          </a:ln>
-        </p:spPr>
-        <p:txBody>
-          <a:bodyPr/>
-          <a:lstStyle/>
-          <a:p>
-            <a:endParaRPr lang="en-US"/>
-          </a:p>
-        </p:txBody>
-      </p:sp>
-      <p:sp>
-        <p:nvSpPr>
-          <p:cNvPr id="34829" name="Line 23"/>
-          <p:cNvSpPr>
-            <a:spLocks noChangeShapeType="1"/>
-          </p:cNvSpPr>
-          <p:nvPr/>
-        </p:nvSpPr>
-        <p:spPr bwMode="auto">
-          <a:xfrm>
-            <a:off x="4191000" y="2895600"/>
-            <a:ext cx="685800" cy="228600"/>
-          </a:xfrm>
-          <a:prstGeom prst="line">
-            <a:avLst/>
-          </a:prstGeom>
-          <a:noFill/>
-          <a:ln w="31750">
-            <a:solidFill>
-              <a:schemeClr val="tx1"/>
-            </a:solidFill>
-            <a:prstDash val="sysDot"/>
-            <a:round/>
-            <a:headEnd/>
-            <a:tailEnd type="none" w="lg" len="lg"/>
-          </a:ln>
-        </p:spPr>
-        <p:txBody>
-          <a:bodyPr/>
-          <a:lstStyle/>
-          <a:p>
-            <a:endParaRPr lang="en-US"/>
-          </a:p>
-        </p:txBody>
-      </p:sp>
-      <p:sp>
-        <p:nvSpPr>
-          <p:cNvPr id="34830" name="Line 24"/>
-          <p:cNvSpPr>
-            <a:spLocks noChangeShapeType="1"/>
-          </p:cNvSpPr>
-          <p:nvPr/>
-        </p:nvSpPr>
-        <p:spPr bwMode="auto">
-          <a:xfrm>
-            <a:off x="3352800" y="3429000"/>
-            <a:ext cx="1143000" cy="762000"/>
-          </a:xfrm>
-          <a:prstGeom prst="line">
-            <a:avLst/>
-          </a:prstGeom>
-          <a:noFill/>
-          <a:ln w="31750">
-            <a:solidFill>
-              <a:schemeClr val="tx1"/>
-            </a:solidFill>
-            <a:prstDash val="sysDot"/>
-            <a:round/>
-            <a:headEnd/>
-            <a:tailEnd type="none" w="lg" len="lg"/>
-          </a:ln>
-        </p:spPr>
-        <p:txBody>
-          <a:bodyPr/>
-          <a:lstStyle/>
-          <a:p>
-            <a:endParaRPr lang="en-US"/>
-          </a:p>
-        </p:txBody>
-      </p:sp>
-      <p:sp>
-        <p:nvSpPr>
-          <p:cNvPr id="34831" name="Line 25"/>
-          <p:cNvSpPr>
-            <a:spLocks noChangeShapeType="1"/>
-          </p:cNvSpPr>
-          <p:nvPr/>
-        </p:nvSpPr>
-        <p:spPr bwMode="auto">
-          <a:xfrm flipV="1">
-            <a:off x="1981200" y="3429000"/>
-            <a:ext cx="1295400" cy="1828800"/>
-          </a:xfrm>
-          <a:prstGeom prst="line">
-            <a:avLst/>
-          </a:prstGeom>
-          <a:noFill/>
-          <a:ln w="31750">
-            <a:solidFill>
-              <a:schemeClr val="tx1"/>
-            </a:solidFill>
-            <a:prstDash val="sysDot"/>
-            <a:round/>
-            <a:headEnd/>
-            <a:tailEnd type="none" w="lg" len="lg"/>
-          </a:ln>
-        </p:spPr>
-        <p:txBody>
-          <a:bodyPr/>
-          <a:lstStyle/>
-          <a:p>
-            <a:endParaRPr lang="en-US"/>
-          </a:p>
-        </p:txBody>
-      </p:sp>
-      <p:sp>
-        <p:nvSpPr>
-          <p:cNvPr id="34832" name="Line 26"/>
-          <p:cNvSpPr>
-            <a:spLocks noChangeShapeType="1"/>
-          </p:cNvSpPr>
-          <p:nvPr/>
-        </p:nvSpPr>
-        <p:spPr bwMode="auto">
-          <a:xfrm flipV="1">
-            <a:off x="4572000" y="4267200"/>
-            <a:ext cx="1828800" cy="0"/>
-          </a:xfrm>
-          <a:prstGeom prst="line">
-            <a:avLst/>
-          </a:prstGeom>
-          <a:noFill/>
-          <a:ln w="31750">
-            <a:solidFill>
-              <a:schemeClr val="tx1"/>
-            </a:solidFill>
-            <a:prstDash val="sysDot"/>
-            <a:round/>
-            <a:headEnd/>
-            <a:tailEnd type="none" w="lg" len="lg"/>
-          </a:ln>
-        </p:spPr>
-        <p:txBody>
-          <a:bodyPr/>
-          <a:lstStyle/>
-          <a:p>
-            <a:endParaRPr lang="en-US"/>
-          </a:p>
-        </p:txBody>
-      </p:sp>
-      <p:sp>
-        <p:nvSpPr>
-          <p:cNvPr id="34833" name="Line 27"/>
-          <p:cNvSpPr>
-            <a:spLocks noChangeShapeType="1"/>
-          </p:cNvSpPr>
-          <p:nvPr/>
-        </p:nvSpPr>
-        <p:spPr bwMode="auto">
-          <a:xfrm>
-            <a:off x="4953000" y="3124200"/>
-            <a:ext cx="1524000" cy="1066800"/>
-          </a:xfrm>
-          <a:prstGeom prst="line">
-            <a:avLst/>
-          </a:prstGeom>
-          <a:noFill/>
-          <a:ln w="31750">
-            <a:solidFill>
-              <a:schemeClr val="tx1"/>
-            </a:solidFill>
-            <a:prstDash val="sysDot"/>
-            <a:round/>
-            <a:headEnd/>
-            <a:tailEnd type="none" w="lg" len="lg"/>
-          </a:ln>
-        </p:spPr>
-        <p:txBody>
-          <a:bodyPr/>
-          <a:lstStyle/>
-          <a:p>
-            <a:endParaRPr lang="en-US"/>
-          </a:p>
-        </p:txBody>
-      </p:sp>
-      <p:sp>
-        <p:nvSpPr>
-          <p:cNvPr id="34834" name="Line 28"/>
-          <p:cNvSpPr>
-            <a:spLocks noChangeShapeType="1"/>
-          </p:cNvSpPr>
-          <p:nvPr/>
-        </p:nvSpPr>
-        <p:spPr bwMode="auto">
-          <a:xfrm flipV="1">
-            <a:off x="2057400" y="4267200"/>
-            <a:ext cx="4419600" cy="990600"/>
-          </a:xfrm>
-          <a:prstGeom prst="line">
-            <a:avLst/>
-          </a:prstGeom>
-          <a:noFill/>
-          <a:ln w="31750">
-            <a:solidFill>
-              <a:schemeClr val="tx1"/>
-            </a:solidFill>
-            <a:prstDash val="sysDot"/>
-            <a:round/>
-            <a:headEnd/>
-            <a:tailEnd type="none" w="lg" len="lg"/>
-          </a:ln>
-        </p:spPr>
-        <p:txBody>
-          <a:bodyPr/>
-          <a:lstStyle/>
-          <a:p>
-            <a:endParaRPr lang="en-US"/>
-          </a:p>
-        </p:txBody>
-      </p:sp>
+        </p:grpSpPr>
+        <p:sp>
+          <p:nvSpPr>
+            <p:cNvPr id="34829" name="Line 23"/>
+            <p:cNvSpPr>
+              <a:spLocks noChangeShapeType="1"/>
+            </p:cNvSpPr>
+            <p:nvPr/>
+          </p:nvSpPr>
+          <p:spPr bwMode="auto">
+            <a:xfrm>
+              <a:off x="4191000" y="2895600"/>
+              <a:ext cx="685800" cy="228600"/>
+            </a:xfrm>
+            <a:prstGeom prst="line">
+              <a:avLst/>
+            </a:prstGeom>
+            <a:noFill/>
+            <a:ln w="31750">
+              <a:solidFill>
+                <a:schemeClr val="tx1"/>
+              </a:solidFill>
+              <a:prstDash val="sysDot"/>
+              <a:round/>
+              <a:headEnd/>
+              <a:tailEnd type="none" w="lg" len="lg"/>
+            </a:ln>
+          </p:spPr>
+          <p:txBody>
+            <a:bodyPr/>
+            <a:lstStyle/>
+            <a:p>
+              <a:endParaRPr lang="en-US"/>
+            </a:p>
+          </p:txBody>
+        </p:sp>
+        <p:sp>
+          <p:nvSpPr>
+            <p:cNvPr id="34833" name="Line 27"/>
+            <p:cNvSpPr>
+              <a:spLocks noChangeShapeType="1"/>
+            </p:cNvSpPr>
+            <p:nvPr/>
+          </p:nvSpPr>
+          <p:spPr bwMode="auto">
+            <a:xfrm>
+              <a:off x="4953000" y="3124200"/>
+              <a:ext cx="1524000" cy="1066800"/>
+            </a:xfrm>
+            <a:prstGeom prst="line">
+              <a:avLst/>
+            </a:prstGeom>
+            <a:noFill/>
+            <a:ln w="31750">
+              <a:solidFill>
+                <a:schemeClr val="tx1"/>
+              </a:solidFill>
+              <a:prstDash val="sysDot"/>
+              <a:round/>
+              <a:headEnd/>
+              <a:tailEnd type="none" w="lg" len="lg"/>
+            </a:ln>
+          </p:spPr>
+          <p:txBody>
+            <a:bodyPr/>
+            <a:lstStyle/>
+            <a:p>
+              <a:endParaRPr lang="en-US"/>
+            </a:p>
+          </p:txBody>
+        </p:sp>
+        <p:grpSp>
+          <p:nvGrpSpPr>
+            <p:cNvPr id="3" name="Group 2"/>
+            <p:cNvGrpSpPr/>
+            <p:nvPr/>
+          </p:nvGrpSpPr>
+          <p:grpSpPr>
+            <a:xfrm>
+              <a:off x="1981200" y="3124200"/>
+              <a:ext cx="4495800" cy="2133600"/>
+              <a:chOff x="1981200" y="3124200"/>
+              <a:chExt cx="4495800" cy="2133600"/>
+            </a:xfrm>
+          </p:grpSpPr>
+          <p:sp>
+            <p:nvSpPr>
+              <p:cNvPr id="34827" name="Line 21"/>
+              <p:cNvSpPr>
+                <a:spLocks noChangeShapeType="1"/>
+              </p:cNvSpPr>
+              <p:nvPr/>
+            </p:nvSpPr>
+            <p:spPr bwMode="auto">
+              <a:xfrm flipV="1">
+                <a:off x="4572000" y="3124200"/>
+                <a:ext cx="304800" cy="1143000"/>
+              </a:xfrm>
+              <a:prstGeom prst="line">
+                <a:avLst/>
+              </a:prstGeom>
+              <a:noFill/>
+              <a:ln w="31750">
+                <a:solidFill>
+                  <a:schemeClr val="tx1"/>
+                </a:solidFill>
+                <a:prstDash val="sysDot"/>
+                <a:round/>
+                <a:headEnd/>
+                <a:tailEnd type="none" w="lg" len="lg"/>
+              </a:ln>
+            </p:spPr>
+            <p:txBody>
+              <a:bodyPr/>
+              <a:lstStyle/>
+              <a:p>
+                <a:endParaRPr lang="en-US"/>
+              </a:p>
+            </p:txBody>
+          </p:sp>
+          <p:sp>
+            <p:nvSpPr>
+              <p:cNvPr id="34828" name="Line 22"/>
+              <p:cNvSpPr>
+                <a:spLocks noChangeShapeType="1"/>
+              </p:cNvSpPr>
+              <p:nvPr/>
+            </p:nvSpPr>
+            <p:spPr bwMode="auto">
+              <a:xfrm flipV="1">
+                <a:off x="2057400" y="4267200"/>
+                <a:ext cx="2438400" cy="990600"/>
+              </a:xfrm>
+              <a:prstGeom prst="line">
+                <a:avLst/>
+              </a:prstGeom>
+              <a:noFill/>
+              <a:ln w="31750">
+                <a:solidFill>
+                  <a:schemeClr val="tx1"/>
+                </a:solidFill>
+                <a:prstDash val="sysDot"/>
+                <a:round/>
+                <a:headEnd/>
+                <a:tailEnd type="none" w="lg" len="lg"/>
+              </a:ln>
+            </p:spPr>
+            <p:txBody>
+              <a:bodyPr/>
+              <a:lstStyle/>
+              <a:p>
+                <a:endParaRPr lang="en-US"/>
+              </a:p>
+            </p:txBody>
+          </p:sp>
+          <p:sp>
+            <p:nvSpPr>
+              <p:cNvPr id="34830" name="Line 24"/>
+              <p:cNvSpPr>
+                <a:spLocks noChangeShapeType="1"/>
+              </p:cNvSpPr>
+              <p:nvPr/>
+            </p:nvSpPr>
+            <p:spPr bwMode="auto">
+              <a:xfrm>
+                <a:off x="3352800" y="3429000"/>
+                <a:ext cx="1143000" cy="762000"/>
+              </a:xfrm>
+              <a:prstGeom prst="line">
+                <a:avLst/>
+              </a:prstGeom>
+              <a:noFill/>
+              <a:ln w="31750">
+                <a:solidFill>
+                  <a:schemeClr val="tx1"/>
+                </a:solidFill>
+                <a:prstDash val="sysDot"/>
+                <a:round/>
+                <a:headEnd/>
+                <a:tailEnd type="none" w="lg" len="lg"/>
+              </a:ln>
+            </p:spPr>
+            <p:txBody>
+              <a:bodyPr/>
+              <a:lstStyle/>
+              <a:p>
+                <a:endParaRPr lang="en-US"/>
+              </a:p>
+            </p:txBody>
+          </p:sp>
+          <p:sp>
+            <p:nvSpPr>
+              <p:cNvPr id="34831" name="Line 25"/>
+              <p:cNvSpPr>
+                <a:spLocks noChangeShapeType="1"/>
+              </p:cNvSpPr>
+              <p:nvPr/>
+            </p:nvSpPr>
+            <p:spPr bwMode="auto">
+              <a:xfrm flipV="1">
+                <a:off x="1981200" y="3429000"/>
+                <a:ext cx="1295400" cy="1828800"/>
+              </a:xfrm>
+              <a:prstGeom prst="line">
+                <a:avLst/>
+              </a:prstGeom>
+              <a:noFill/>
+              <a:ln w="31750">
+                <a:solidFill>
+                  <a:schemeClr val="tx1"/>
+                </a:solidFill>
+                <a:prstDash val="sysDot"/>
+                <a:round/>
+                <a:headEnd/>
+                <a:tailEnd type="none" w="lg" len="lg"/>
+              </a:ln>
+            </p:spPr>
+            <p:txBody>
+              <a:bodyPr/>
+              <a:lstStyle/>
+              <a:p>
+                <a:endParaRPr lang="en-US"/>
+              </a:p>
+            </p:txBody>
+          </p:sp>
+          <p:sp>
+            <p:nvSpPr>
+              <p:cNvPr id="34832" name="Line 26"/>
+              <p:cNvSpPr>
+                <a:spLocks noChangeShapeType="1"/>
+              </p:cNvSpPr>
+              <p:nvPr/>
+            </p:nvSpPr>
+            <p:spPr bwMode="auto">
+              <a:xfrm flipV="1">
+                <a:off x="4572000" y="4267200"/>
+                <a:ext cx="1828800" cy="0"/>
+              </a:xfrm>
+              <a:prstGeom prst="line">
+                <a:avLst/>
+              </a:prstGeom>
+              <a:noFill/>
+              <a:ln w="31750">
+                <a:solidFill>
+                  <a:schemeClr val="tx1"/>
+                </a:solidFill>
+                <a:prstDash val="sysDot"/>
+                <a:round/>
+                <a:headEnd/>
+                <a:tailEnd type="none" w="lg" len="lg"/>
+              </a:ln>
+            </p:spPr>
+            <p:txBody>
+              <a:bodyPr/>
+              <a:lstStyle/>
+              <a:p>
+                <a:endParaRPr lang="en-US"/>
+              </a:p>
+            </p:txBody>
+          </p:sp>
+          <p:sp>
+            <p:nvSpPr>
+              <p:cNvPr id="34834" name="Line 28"/>
+              <p:cNvSpPr>
+                <a:spLocks noChangeShapeType="1"/>
+              </p:cNvSpPr>
+              <p:nvPr/>
+            </p:nvSpPr>
+            <p:spPr bwMode="auto">
+              <a:xfrm flipV="1">
+                <a:off x="2057400" y="4267200"/>
+                <a:ext cx="4419600" cy="990600"/>
+              </a:xfrm>
+              <a:prstGeom prst="line">
+                <a:avLst/>
+              </a:prstGeom>
+              <a:noFill/>
+              <a:ln w="31750">
+                <a:solidFill>
+                  <a:schemeClr val="tx1"/>
+                </a:solidFill>
+                <a:prstDash val="sysDot"/>
+                <a:round/>
+                <a:headEnd/>
+                <a:tailEnd type="none" w="lg" len="lg"/>
+              </a:ln>
+            </p:spPr>
+            <p:txBody>
+              <a:bodyPr/>
+              <a:lstStyle/>
+              <a:p>
+                <a:endParaRPr lang="en-US"/>
+              </a:p>
+            </p:txBody>
+          </p:sp>
+        </p:grpSp>
+      </p:grpSp>
       <p:sp>
         <p:nvSpPr>
           <p:cNvPr id="34835" name="Freeform 29"/>
@@ -7820,7 +7943,7 @@
                                           </p:stCondLst>
                                         </p:cTn>
                                         <p:tgtEl>
-                                          <p:spTgt spid="187408"/>
+                                          <p:spTgt spid="187409"/>
                                         </p:tgtEl>
                                         <p:attrNameLst>
                                           <p:attrName>style.visibility</p:attrName>
@@ -7833,26 +7956,35 @@
                                   </p:childTnLst>
                                 </p:cTn>
                               </p:par>
-                            </p:childTnLst>
-                          </p:cTn>
-                        </p:par>
-                      </p:childTnLst>
-                    </p:cTn>
-                  </p:par>
-                  <p:par>
-                    <p:cTn id="15" fill="hold">
-                      <p:stCondLst>
-                        <p:cond delay="indefinite"/>
-                      </p:stCondLst>
-                      <p:childTnLst>
-                        <p:par>
-                          <p:cTn id="16" fill="hold">
-                            <p:stCondLst>
-                              <p:cond delay="0"/>
-                            </p:stCondLst>
-                            <p:childTnLst>
                               <p:par>
-                                <p:cTn id="17" presetID="1" presetClass="entr" presetSubtype="0" fill="hold" grpId="0" nodeType="clickEffect">
+                                <p:cTn id="15" presetID="1" presetClass="entr" presetSubtype="0" fill="hold" grpId="0" nodeType="withEffect">
+                                  <p:stCondLst>
+                                    <p:cond delay="0"/>
+                                  </p:stCondLst>
+                                  <p:childTnLst>
+                                    <p:set>
+                                      <p:cBhvr>
+                                        <p:cTn id="16" dur="1" fill="hold">
+                                          <p:stCondLst>
+                                            <p:cond delay="0"/>
+                                          </p:stCondLst>
+                                        </p:cTn>
+                                        <p:tgtEl>
+                                          <p:spTgt spid="187410"/>
+                                        </p:tgtEl>
+                                        <p:attrNameLst>
+                                          <p:attrName>style.visibility</p:attrName>
+                                        </p:attrNameLst>
+                                      </p:cBhvr>
+                                      <p:to>
+                                        <p:strVal val="visible"/>
+                                      </p:to>
+                                    </p:set>
+                                  </p:childTnLst>
+                                </p:cTn>
+                              </p:par>
+                              <p:par>
+                                <p:cTn id="17" presetID="1" presetClass="entr" presetSubtype="0" fill="hold" grpId="0" nodeType="withEffect">
                                   <p:stCondLst>
                                     <p:cond delay="0"/>
                                   </p:stCondLst>
@@ -7865,7 +7997,7 @@
                                           </p:stCondLst>
                                         </p:cTn>
                                         <p:tgtEl>
-                                          <p:spTgt spid="187409"/>
+                                          <p:spTgt spid="187411"/>
                                         </p:tgtEl>
                                         <p:attrNameLst>
                                           <p:attrName>style.visibility</p:attrName>
@@ -7892,7 +8024,7 @@
                                           </p:stCondLst>
                                         </p:cTn>
                                         <p:tgtEl>
-                                          <p:spTgt spid="187410"/>
+                                          <p:spTgt spid="187412"/>
                                         </p:tgtEl>
                                         <p:attrNameLst>
                                           <p:attrName>style.visibility</p:attrName>
@@ -7905,21 +8037,39 @@
                                   </p:childTnLst>
                                 </p:cTn>
                               </p:par>
+                            </p:childTnLst>
+                          </p:cTn>
+                        </p:par>
+                      </p:childTnLst>
+                    </p:cTn>
+                  </p:par>
+                  <p:par>
+                    <p:cTn id="21" fill="hold">
+                      <p:stCondLst>
+                        <p:cond delay="indefinite"/>
+                      </p:stCondLst>
+                      <p:childTnLst>
+                        <p:par>
+                          <p:cTn id="22" fill="hold">
+                            <p:stCondLst>
+                              <p:cond delay="0"/>
+                            </p:stCondLst>
+                            <p:childTnLst>
                               <p:par>
-                                <p:cTn id="21" presetID="1" presetClass="entr" presetSubtype="0" fill="hold" grpId="0" nodeType="withEffect">
+                                <p:cTn id="23" presetID="1" presetClass="entr" presetSubtype="0" fill="hold" grpId="0" nodeType="clickEffect">
                                   <p:stCondLst>
                                     <p:cond delay="0"/>
                                   </p:stCondLst>
                                   <p:childTnLst>
                                     <p:set>
                                       <p:cBhvr>
-                                        <p:cTn id="22" dur="1" fill="hold">
+                                        <p:cTn id="24" dur="1" fill="hold">
                                           <p:stCondLst>
                                             <p:cond delay="0"/>
                                           </p:stCondLst>
                                         </p:cTn>
                                         <p:tgtEl>
-                                          <p:spTgt spid="187411"/>
+                                          <p:spTgt spid="187408"/>
                                         </p:tgtEl>
                                         <p:attrNameLst>
                                           <p:attrName>style.visibility</p:attrName>
@@ -7932,21 +8082,39 @@
                                   </p:childTnLst>
                                 </p:cTn>
                               </p:par>
+                            </p:childTnLst>
+                          </p:cTn>
+                        </p:par>
+                      </p:childTnLst>
+                    </p:cTn>
+                  </p:par>
+                  <p:par>
+                    <p:cTn id="25" fill="hold">
+                      <p:stCondLst>
+                        <p:cond delay="indefinite"/>
+                      </p:stCondLst>
+                      <p:childTnLst>
+                        <p:par>
+                          <p:cTn id="26" fill="hold">
+                            <p:stCondLst>
+                              <p:cond delay="0"/>
+                            </p:stCondLst>
+                            <p:childTnLst>
                               <p:par>
-                                <p:cTn id="23" presetID="1" presetClass="entr" presetSubtype="0" fill="hold" grpId="0" nodeType="withEffect">
+                                <p:cTn id="27" presetID="9" presetClass="entr" presetSubtype="0" fill="hold" grpId="0" nodeType="clickEffect">
                                   <p:stCondLst>
                                     <p:cond delay="0"/>
                                   </p:stCondLst>
                                   <p:childTnLst>
                                     <p:set>
                                       <p:cBhvr>
-                                        <p:cTn id="24" dur="1" fill="hold">
+                                        <p:cTn id="28" dur="1" fill="hold">
                                           <p:stCondLst>
                                             <p:cond delay="0"/>
                                           </p:stCondLst>
                                         </p:cTn>
                                         <p:tgtEl>
-                                          <p:spTgt spid="187412"/>
+                                          <p:spTgt spid="34835"/>
                                         </p:tgtEl>
                                         <p:attrNameLst>
                                           <p:attrName>style.visibility</p:attrName>
@@ -7956,6 +8124,67 @@
                                         <p:strVal val="visible"/>
                                       </p:to>
                                     </p:set>
+                                    <p:animEffect transition="in" filter="dissolve">
+                                      <p:cBhvr>
+                                        <p:cTn id="29" dur="500"/>
+                                        <p:tgtEl>
+                                          <p:spTgt spid="34835"/>
+                                        </p:tgtEl>
+                                      </p:cBhvr>
+                                    </p:animEffect>
+                                  </p:childTnLst>
+                                </p:cTn>
+                              </p:par>
+                            </p:childTnLst>
+                          </p:cTn>
+                        </p:par>
+                      </p:childTnLst>
+                    </p:cTn>
+                  </p:par>
+                  <p:par>
+                    <p:cTn id="30" fill="hold">
+                      <p:stCondLst>
+                        <p:cond delay="indefinite"/>
+                      </p:stCondLst>
+                      <p:childTnLst>
+                        <p:par>
+                          <p:cTn id="31" fill="hold">
+                            <p:stCondLst>
+                              <p:cond delay="0"/>
+                            </p:stCondLst>
+                            <p:childTnLst>
+                              <p:par>
+                                <p:cTn id="32" presetID="9" presetClass="entr" presetSubtype="0" fill="hold" nodeType="clickEffect">
+                                  <p:stCondLst>
+                                    <p:cond delay="0"/>
+                                  </p:stCondLst>
+                                  <p:childTnLst>
+                                    <p:set>
+                                      <p:cBhvr>
+                                        <p:cTn id="33" dur="1" fill="hold">
+                                          <p:stCondLst>
+                                            <p:cond delay="0"/>
+                                          </p:stCondLst>
+                                        </p:cTn>
+                                        <p:tgtEl>
+                                          <p:spTgt spid="4"/>
+                                        </p:tgtEl>
+                                        <p:attrNameLst>
+                                          <p:attrName>style.visibility</p:attrName>
+                                        </p:attrNameLst>
+                                      </p:cBhvr>
+                                      <p:to>
+                                        <p:strVal val="visible"/>
+                                      </p:to>
+                                    </p:set>
+                                    <p:animEffect transition="in" filter="dissolve">
+                                      <p:cBhvr>
+                                        <p:cTn id="34" dur="500"/>
+                                        <p:tgtEl>
+                                          <p:spTgt spid="4"/>
+                                        </p:tgtEl>
+                                      </p:cBhvr>
+                                    </p:animEffect>
                                   </p:childTnLst>
                                 </p:cTn>
                               </p:par>
@@ -7994,6 +8223,7 @@
       <p:bldP spid="187410" grpId="0" animBg="1"/>
       <p:bldP spid="187411" grpId="0" animBg="1"/>
       <p:bldP spid="187412" grpId="0" animBg="1"/>
+      <p:bldP spid="34835" grpId="0" animBg="1"/>
     </p:bldLst>
   </p:timing>
 </p:sld>
@@ -8194,8 +8424,8 @@
   <p:clrMapOvr>
     <a:masterClrMapping/>
   </p:clrMapOvr>
-  <p:transition xmlns:p14="http://schemas.microsoft.com/office/powerpoint/2010/main">
-    <p:fade/>
+  <p:transition xmlns:p14="http://schemas.microsoft.com/office/powerpoint/2010/main" spd="slow">
+    <p:fade thruBlk="1"/>
   </p:transition>
   <p:timing>
     <p:tnLst>
@@ -13080,6 +13310,9 @@
   <p:clrMapOvr>
     <a:masterClrMapping/>
   </p:clrMapOvr>
+  <p:transition xmlns:p14="http://schemas.microsoft.com/office/powerpoint/2010/main" spd="slow">
+    <p:fade/>
+  </p:transition>
   <p:timing>
     <p:tnLst>
       <p:par>
@@ -16294,7 +16527,7 @@
                             </p:stCondLst>
                             <p:childTnLst>
                               <p:par>
-                                <p:cTn id="5" presetID="1" presetClass="entr" presetSubtype="0" fill="hold" nodeType="clickEffect">
+                                <p:cTn id="5" presetID="9" presetClass="entr" presetSubtype="0" fill="hold" nodeType="clickEffect">
                                   <p:stCondLst>
                                     <p:cond delay="0"/>
                                   </p:stCondLst>
@@ -16317,6 +16550,14 @@
                                         <p:strVal val="visible"/>
                                       </p:to>
                                     </p:set>
+                                    <p:animEffect transition="in" filter="dissolve">
+                                      <p:cBhvr>
+                                        <p:cTn id="7" dur="500"/>
+                                        <p:tgtEl>
+                                          <p:spTgt spid="2"/>
+                                        </p:tgtEl>
+                                      </p:cBhvr>
+                                    </p:animEffect>
                                   </p:childTnLst>
                                 </p:cTn>
                               </p:par>
@@ -16327,26 +16568,26 @@
                     </p:cTn>
                   </p:par>
                   <p:par>
-                    <p:cTn id="7" fill="hold">
+                    <p:cTn id="8" fill="hold">
                       <p:stCondLst>
                         <p:cond delay="indefinite"/>
                       </p:stCondLst>
                       <p:childTnLst>
                         <p:par>
-                          <p:cTn id="8" fill="hold">
+                          <p:cTn id="9" fill="hold">
                             <p:stCondLst>
                               <p:cond delay="0"/>
                             </p:stCondLst>
                             <p:childTnLst>
                               <p:par>
-                                <p:cTn id="9" presetID="1" presetClass="entr" presetSubtype="0" fill="hold" grpId="0" nodeType="clickEffect">
+                                <p:cTn id="10" presetID="22" presetClass="entr" presetSubtype="8" fill="hold" grpId="0" nodeType="clickEffect">
                                   <p:stCondLst>
                                     <p:cond delay="0"/>
                                   </p:stCondLst>
                                   <p:childTnLst>
                                     <p:set>
                                       <p:cBhvr>
-                                        <p:cTn id="10" dur="1" fill="hold">
+                                        <p:cTn id="11" dur="1" fill="hold">
                                           <p:stCondLst>
                                             <p:cond delay="0"/>
                                           </p:stCondLst>
@@ -16362,6 +16603,14 @@
                                         <p:strVal val="visible"/>
                                       </p:to>
                                     </p:set>
+                                    <p:animEffect transition="in" filter="wipe(left)">
+                                      <p:cBhvr>
+                                        <p:cTn id="12" dur="500"/>
+                                        <p:tgtEl>
+                                          <p:spTgt spid="42"/>
+                                        </p:tgtEl>
+                                      </p:cBhvr>
+                                    </p:animEffect>
                                   </p:childTnLst>
                                 </p:cTn>
                               </p:par>
@@ -16372,26 +16621,26 @@
                     </p:cTn>
                   </p:par>
                   <p:par>
-                    <p:cTn id="11" fill="hold">
+                    <p:cTn id="13" fill="hold">
                       <p:stCondLst>
                         <p:cond delay="indefinite"/>
                       </p:stCondLst>
                       <p:childTnLst>
                         <p:par>
-                          <p:cTn id="12" fill="hold">
+                          <p:cTn id="14" fill="hold">
                             <p:stCondLst>
                               <p:cond delay="0"/>
                             </p:stCondLst>
                             <p:childTnLst>
                               <p:par>
-                                <p:cTn id="13" presetID="1" presetClass="entr" presetSubtype="0" fill="hold" grpId="0" nodeType="clickEffect">
+                                <p:cTn id="15" presetID="22" presetClass="entr" presetSubtype="8" fill="hold" grpId="0" nodeType="clickEffect">
                                   <p:stCondLst>
                                     <p:cond delay="0"/>
                                   </p:stCondLst>
                                   <p:childTnLst>
                                     <p:set>
                                       <p:cBhvr>
-                                        <p:cTn id="14" dur="1" fill="hold">
+                                        <p:cTn id="16" dur="1" fill="hold">
                                           <p:stCondLst>
                                             <p:cond delay="0"/>
                                           </p:stCondLst>
@@ -16407,6 +16656,14 @@
                                         <p:strVal val="visible"/>
                                       </p:to>
                                     </p:set>
+                                    <p:animEffect transition="in" filter="wipe(left)">
+                                      <p:cBhvr>
+                                        <p:cTn id="17" dur="500"/>
+                                        <p:tgtEl>
+                                          <p:spTgt spid="41"/>
+                                        </p:tgtEl>
+                                      </p:cBhvr>
+                                    </p:animEffect>
                                   </p:childTnLst>
                                 </p:cTn>
                               </p:par>
@@ -16583,7 +16840,7 @@
           <a:graphicData uri="http://schemas.openxmlformats.org/presentationml/2006/ole">
             <mc:AlternateContent xmlns:mc="http://schemas.openxmlformats.org/markup-compatibility/2006">
               <mc:Choice xmlns:v="urn:schemas-microsoft-com:vml" Requires="v">
-                <p:oleObj spid="_x0000_s81948" name="Equation" r:id="rId4" imgW="914400" imgH="198720" progId="Equation.DSMT4">
+                <p:oleObj spid="_x0000_s81951" name="Equation" r:id="rId4" imgW="914400" imgH="198720" progId="Equation.DSMT4">
                   <p:embed/>
                 </p:oleObj>
               </mc:Choice>
@@ -16860,6 +17117,9 @@
   <p:clrMapOvr>
     <a:masterClrMapping/>
   </p:clrMapOvr>
+  <p:transition xmlns:p14="http://schemas.microsoft.com/office/powerpoint/2010/main" spd="slow">
+    <p:fade thruBlk="1"/>
+  </p:transition>
   <p:timing>
     <p:tnLst>
       <p:par>
@@ -17250,7 +17510,18 @@
   <p:clrMapOvr>
     <a:masterClrMapping/>
   </p:clrMapOvr>
-  <p:transition xmlns:p14="http://schemas.microsoft.com/office/powerpoint/2010/main"/>
+  <mc:AlternateContent xmlns:mc="http://schemas.openxmlformats.org/markup-compatibility/2006">
+    <mc:Choice xmlns:p14="http://schemas.microsoft.com/office/powerpoint/2010/main" Requires="p14">
+      <p:transition spd="med" p14:dur="700">
+        <p:fade/>
+      </p:transition>
+    </mc:Choice>
+    <mc:Fallback>
+      <p:transition xmlns:p14="http://schemas.microsoft.com/office/powerpoint/2010/main" spd="med">
+        <p:fade/>
+      </p:transition>
+    </mc:Fallback>
+  </mc:AlternateContent>
   <p:timing>
     <p:tnLst>
       <p:par>
@@ -17383,7 +17654,7 @@
 </file>
 
 <file path=ppt/slides/slide23.xml><?xml version="1.0" encoding="utf-8"?>
-<p:sld xmlns:a="http://schemas.openxmlformats.org/drawingml/2006/main" xmlns:r="http://schemas.openxmlformats.org/officeDocument/2006/relationships" xmlns:p="http://schemas.openxmlformats.org/presentationml/2006/main">
+<p:sld xmlns:a="http://schemas.openxmlformats.org/drawingml/2006/main" xmlns:r="http://schemas.openxmlformats.org/officeDocument/2006/relationships" xmlns:p="http://schemas.openxmlformats.org/presentationml/2006/main" show="0">
   <p:cSld>
     <p:spTree>
       <p:nvGrpSpPr>
@@ -18736,7 +19007,7 @@
 </file>
 
 <file path=ppt/slides/slide24.xml><?xml version="1.0" encoding="utf-8"?>
-<p:sld xmlns:a="http://schemas.openxmlformats.org/drawingml/2006/main" xmlns:r="http://schemas.openxmlformats.org/officeDocument/2006/relationships" xmlns:p="http://schemas.openxmlformats.org/presentationml/2006/main">
+<p:sld xmlns:a="http://schemas.openxmlformats.org/drawingml/2006/main" xmlns:r="http://schemas.openxmlformats.org/officeDocument/2006/relationships" xmlns:p="http://schemas.openxmlformats.org/presentationml/2006/main" show="0">
   <p:cSld>
     <p:spTree>
       <p:nvGrpSpPr>
@@ -25721,7 +25992,7 @@
                             </p:stCondLst>
                             <p:childTnLst>
                               <p:par>
-                                <p:cTn id="33" presetID="1" presetClass="entr" presetSubtype="0" fill="hold" grpId="0" nodeType="clickEffect">
+                                <p:cTn id="33" presetID="9" presetClass="entr" presetSubtype="0" fill="hold" grpId="0" nodeType="clickEffect">
                                   <p:stCondLst>
                                     <p:cond delay="0"/>
                                   </p:stCondLst>
@@ -25744,18 +26015,26 @@
                                         <p:strVal val="visible"/>
                                       </p:to>
                                     </p:set>
+                                    <p:animEffect transition="in" filter="dissolve">
+                                      <p:cBhvr>
+                                        <p:cTn id="35" dur="1000"/>
+                                        <p:tgtEl>
+                                          <p:spTgt spid="175115"/>
+                                        </p:tgtEl>
+                                      </p:cBhvr>
+                                    </p:animEffect>
                                   </p:childTnLst>
                                 </p:cTn>
                               </p:par>
                               <p:par>
-                                <p:cTn id="35" presetID="1" presetClass="entr" presetSubtype="0" fill="hold" nodeType="withEffect">
+                                <p:cTn id="36" presetID="9" presetClass="entr" presetSubtype="0" fill="hold" nodeType="withEffect">
                                   <p:stCondLst>
                                     <p:cond delay="0"/>
                                   </p:stCondLst>
                                   <p:childTnLst>
                                     <p:set>
                                       <p:cBhvr>
-                                        <p:cTn id="36" dur="1" fill="hold">
+                                        <p:cTn id="37" dur="1" fill="hold">
                                           <p:stCondLst>
                                             <p:cond delay="0"/>
                                           </p:stCondLst>
@@ -25771,6 +26050,14 @@
                                         <p:strVal val="visible"/>
                                       </p:to>
                                     </p:set>
+                                    <p:animEffect transition="in" filter="dissolve">
+                                      <p:cBhvr>
+                                        <p:cTn id="38" dur="1000"/>
+                                        <p:tgtEl>
+                                          <p:spTgt spid="2"/>
+                                        </p:tgtEl>
+                                      </p:cBhvr>
+                                    </p:animEffect>
                                   </p:childTnLst>
                                 </p:cTn>
                               </p:par>
@@ -26924,7 +27211,7 @@
                             </p:stCondLst>
                             <p:childTnLst>
                               <p:par>
-                                <p:cTn id="5" presetID="1" presetClass="entr" presetSubtype="0" fill="hold" nodeType="clickEffect">
+                                <p:cTn id="5" presetID="9" presetClass="entr" presetSubtype="0" fill="hold" nodeType="clickEffect">
                                   <p:stCondLst>
                                     <p:cond delay="0"/>
                                   </p:stCondLst>
@@ -26951,18 +27238,30 @@
                                         <p:strVal val="visible"/>
                                       </p:to>
                                     </p:set>
+                                    <p:animEffect transition="in" filter="dissolve">
+                                      <p:cBhvr>
+                                        <p:cTn id="7" dur="500"/>
+                                        <p:tgtEl>
+                                          <p:spTgt spid="177155">
+                                            <p:txEl>
+                                              <p:pRg st="0" end="0"/>
+                                            </p:txEl>
+                                          </p:spTgt>
+                                        </p:tgtEl>
+                                      </p:cBhvr>
+                                    </p:animEffect>
                                   </p:childTnLst>
                                 </p:cTn>
                               </p:par>
                               <p:par>
-                                <p:cTn id="7" presetID="1" presetClass="entr" presetSubtype="0" fill="hold" nodeType="withEffect">
+                                <p:cTn id="8" presetID="9" presetClass="entr" presetSubtype="0" fill="hold" nodeType="withEffect">
                                   <p:stCondLst>
                                     <p:cond delay="0"/>
                                   </p:stCondLst>
                                   <p:childTnLst>
                                     <p:set>
                                       <p:cBhvr>
-                                        <p:cTn id="8" dur="1" fill="hold">
+                                        <p:cTn id="9" dur="1" fill="hold">
                                           <p:stCondLst>
                                             <p:cond delay="0"/>
                                           </p:stCondLst>
@@ -26982,6 +27281,18 @@
                                         <p:strVal val="visible"/>
                                       </p:to>
                                     </p:set>
+                                    <p:animEffect transition="in" filter="dissolve">
+                                      <p:cBhvr>
+                                        <p:cTn id="10" dur="500"/>
+                                        <p:tgtEl>
+                                          <p:spTgt spid="177155">
+                                            <p:txEl>
+                                              <p:pRg st="1" end="1"/>
+                                            </p:txEl>
+                                          </p:spTgt>
+                                        </p:tgtEl>
+                                      </p:cBhvr>
+                                    </p:animEffect>
                                   </p:childTnLst>
                                 </p:cTn>
                               </p:par>
@@ -27211,7 +27522,7 @@
                             </p:stCondLst>
                             <p:childTnLst>
                               <p:par>
-                                <p:cTn id="5" presetID="1" presetClass="entr" presetSubtype="0" fill="hold" grpId="0" nodeType="clickEffect">
+                                <p:cTn id="5" presetID="9" presetClass="entr" presetSubtype="0" fill="hold" grpId="1" nodeType="clickEffect">
                                   <p:stCondLst>
                                     <p:cond delay="0"/>
                                   </p:stCondLst>
@@ -27238,18 +27549,30 @@
                                         <p:strVal val="visible"/>
                                       </p:to>
                                     </p:set>
+                                    <p:animEffect transition="in" filter="dissolve">
+                                      <p:cBhvr>
+                                        <p:cTn id="7" dur="500"/>
+                                        <p:tgtEl>
+                                          <p:spTgt spid="30723">
+                                            <p:txEl>
+                                              <p:pRg st="0" end="0"/>
+                                            </p:txEl>
+                                          </p:spTgt>
+                                        </p:tgtEl>
+                                      </p:cBhvr>
+                                    </p:animEffect>
                                   </p:childTnLst>
                                 </p:cTn>
                               </p:par>
                               <p:par>
-                                <p:cTn id="7" presetID="1" presetClass="entr" presetSubtype="0" fill="hold" grpId="0" nodeType="withEffect">
+                                <p:cTn id="8" presetID="9" presetClass="entr" presetSubtype="0" fill="hold" grpId="1" nodeType="withEffect">
                                   <p:stCondLst>
                                     <p:cond delay="0"/>
                                   </p:stCondLst>
                                   <p:childTnLst>
                                     <p:set>
                                       <p:cBhvr>
-                                        <p:cTn id="8" dur="1" fill="hold">
+                                        <p:cTn id="9" dur="1" fill="hold">
                                           <p:stCondLst>
                                             <p:cond delay="0"/>
                                           </p:stCondLst>
@@ -27269,18 +27592,48 @@
                                         <p:strVal val="visible"/>
                                       </p:to>
                                     </p:set>
+                                    <p:animEffect transition="in" filter="dissolve">
+                                      <p:cBhvr>
+                                        <p:cTn id="10" dur="500"/>
+                                        <p:tgtEl>
+                                          <p:spTgt spid="30723">
+                                            <p:txEl>
+                                              <p:pRg st="1" end="1"/>
+                                            </p:txEl>
+                                          </p:spTgt>
+                                        </p:tgtEl>
+                                      </p:cBhvr>
+                                    </p:animEffect>
                                   </p:childTnLst>
                                 </p:cTn>
                               </p:par>
+                            </p:childTnLst>
+                          </p:cTn>
+                        </p:par>
+                      </p:childTnLst>
+                    </p:cTn>
+                  </p:par>
+                  <p:par>
+                    <p:cTn id="11" fill="hold">
+                      <p:stCondLst>
+                        <p:cond delay="indefinite"/>
+                      </p:stCondLst>
+                      <p:childTnLst>
+                        <p:par>
+                          <p:cTn id="12" fill="hold">
+                            <p:stCondLst>
+                              <p:cond delay="0"/>
+                            </p:stCondLst>
+                            <p:childTnLst>
                               <p:par>
-                                <p:cTn id="9" presetID="1" presetClass="entr" presetSubtype="0" fill="hold" grpId="0" nodeType="withEffect">
+                                <p:cTn id="13" presetID="9" presetClass="entr" presetSubtype="0" fill="hold" grpId="1" nodeType="clickEffect">
                                   <p:stCondLst>
                                     <p:cond delay="0"/>
                                   </p:stCondLst>
                                   <p:childTnLst>
                                     <p:set>
                                       <p:cBhvr>
-                                        <p:cTn id="10" dur="1" fill="hold">
+                                        <p:cTn id="14" dur="1" fill="hold">
                                           <p:stCondLst>
                                             <p:cond delay="0"/>
                                           </p:stCondLst>
@@ -27300,18 +27653,48 @@
                                         <p:strVal val="visible"/>
                                       </p:to>
                                     </p:set>
+                                    <p:animEffect transition="in" filter="dissolve">
+                                      <p:cBhvr>
+                                        <p:cTn id="15" dur="500"/>
+                                        <p:tgtEl>
+                                          <p:spTgt spid="30723">
+                                            <p:txEl>
+                                              <p:pRg st="2" end="2"/>
+                                            </p:txEl>
+                                          </p:spTgt>
+                                        </p:tgtEl>
+                                      </p:cBhvr>
+                                    </p:animEffect>
                                   </p:childTnLst>
                                 </p:cTn>
                               </p:par>
+                            </p:childTnLst>
+                          </p:cTn>
+                        </p:par>
+                      </p:childTnLst>
+                    </p:cTn>
+                  </p:par>
+                  <p:par>
+                    <p:cTn id="16" fill="hold">
+                      <p:stCondLst>
+                        <p:cond delay="indefinite"/>
+                      </p:stCondLst>
+                      <p:childTnLst>
+                        <p:par>
+                          <p:cTn id="17" fill="hold">
+                            <p:stCondLst>
+                              <p:cond delay="0"/>
+                            </p:stCondLst>
+                            <p:childTnLst>
                               <p:par>
-                                <p:cTn id="11" presetID="1" presetClass="entr" presetSubtype="0" fill="hold" grpId="0" nodeType="withEffect">
+                                <p:cTn id="18" presetID="9" presetClass="entr" presetSubtype="0" fill="hold" grpId="1" nodeType="clickEffect">
                                   <p:stCondLst>
                                     <p:cond delay="0"/>
                                   </p:stCondLst>
                                   <p:childTnLst>
                                     <p:set>
                                       <p:cBhvr>
-                                        <p:cTn id="12" dur="1" fill="hold">
+                                        <p:cTn id="19" dur="1" fill="hold">
                                           <p:stCondLst>
                                             <p:cond delay="0"/>
                                           </p:stCondLst>
@@ -27331,6 +27714,18 @@
                                         <p:strVal val="visible"/>
                                       </p:to>
                                     </p:set>
+                                    <p:animEffect transition="in" filter="dissolve">
+                                      <p:cBhvr>
+                                        <p:cTn id="20" dur="500"/>
+                                        <p:tgtEl>
+                                          <p:spTgt spid="30723">
+                                            <p:txEl>
+                                              <p:pRg st="3" end="3"/>
+                                            </p:txEl>
+                                          </p:spTgt>
+                                        </p:tgtEl>
+                                      </p:cBhvr>
+                                    </p:animEffect>
                                   </p:childTnLst>
                                 </p:cTn>
                               </p:par>
@@ -27362,7 +27757,7 @@
       </p:par>
     </p:tnLst>
     <p:bldLst>
-      <p:bldP spid="30723" grpId="0" build="p"/>
+      <p:bldP spid="30723" grpId="1" build="p"/>
     </p:bldLst>
   </p:timing>
 </p:sld>
